--- a/RaspiWiring.pptx
+++ b/RaspiWiring.pptx
@@ -6,6 +6,7 @@
   </p:sldMasterIdLst>
   <p:sldIdLst>
     <p:sldId id="256" r:id="rId2"/>
+    <p:sldId id="257" r:id="rId3"/>
   </p:sldIdLst>
   <p:sldSz cx="12192000" cy="6858000"/>
   <p:notesSz cx="6858000" cy="9144000"/>
@@ -261,7 +262,7 @@
           <a:p>
             <a:fld id="{16AA6F50-2625-484A-8F18-DF3F83B384C2}" type="datetimeFigureOut">
               <a:rPr lang="de-DE" smtClean="0"/>
-              <a:t>25.08.2021</a:t>
+              <a:t>03.04.2022</a:t>
             </a:fld>
             <a:endParaRPr lang="de-DE"/>
           </a:p>
@@ -461,7 +462,7 @@
           <a:p>
             <a:fld id="{16AA6F50-2625-484A-8F18-DF3F83B384C2}" type="datetimeFigureOut">
               <a:rPr lang="de-DE" smtClean="0"/>
-              <a:t>25.08.2021</a:t>
+              <a:t>03.04.2022</a:t>
             </a:fld>
             <a:endParaRPr lang="de-DE"/>
           </a:p>
@@ -671,7 +672,7 @@
           <a:p>
             <a:fld id="{16AA6F50-2625-484A-8F18-DF3F83B384C2}" type="datetimeFigureOut">
               <a:rPr lang="de-DE" smtClean="0"/>
-              <a:t>25.08.2021</a:t>
+              <a:t>03.04.2022</a:t>
             </a:fld>
             <a:endParaRPr lang="de-DE"/>
           </a:p>
@@ -871,7 +872,7 @@
           <a:p>
             <a:fld id="{16AA6F50-2625-484A-8F18-DF3F83B384C2}" type="datetimeFigureOut">
               <a:rPr lang="de-DE" smtClean="0"/>
-              <a:t>25.08.2021</a:t>
+              <a:t>03.04.2022</a:t>
             </a:fld>
             <a:endParaRPr lang="de-DE"/>
           </a:p>
@@ -1147,7 +1148,7 @@
           <a:p>
             <a:fld id="{16AA6F50-2625-484A-8F18-DF3F83B384C2}" type="datetimeFigureOut">
               <a:rPr lang="de-DE" smtClean="0"/>
-              <a:t>25.08.2021</a:t>
+              <a:t>03.04.2022</a:t>
             </a:fld>
             <a:endParaRPr lang="de-DE"/>
           </a:p>
@@ -1415,7 +1416,7 @@
           <a:p>
             <a:fld id="{16AA6F50-2625-484A-8F18-DF3F83B384C2}" type="datetimeFigureOut">
               <a:rPr lang="de-DE" smtClean="0"/>
-              <a:t>25.08.2021</a:t>
+              <a:t>03.04.2022</a:t>
             </a:fld>
             <a:endParaRPr lang="de-DE"/>
           </a:p>
@@ -1830,7 +1831,7 @@
           <a:p>
             <a:fld id="{16AA6F50-2625-484A-8F18-DF3F83B384C2}" type="datetimeFigureOut">
               <a:rPr lang="de-DE" smtClean="0"/>
-              <a:t>25.08.2021</a:t>
+              <a:t>03.04.2022</a:t>
             </a:fld>
             <a:endParaRPr lang="de-DE"/>
           </a:p>
@@ -1972,7 +1973,7 @@
           <a:p>
             <a:fld id="{16AA6F50-2625-484A-8F18-DF3F83B384C2}" type="datetimeFigureOut">
               <a:rPr lang="de-DE" smtClean="0"/>
-              <a:t>25.08.2021</a:t>
+              <a:t>03.04.2022</a:t>
             </a:fld>
             <a:endParaRPr lang="de-DE"/>
           </a:p>
@@ -2085,7 +2086,7 @@
           <a:p>
             <a:fld id="{16AA6F50-2625-484A-8F18-DF3F83B384C2}" type="datetimeFigureOut">
               <a:rPr lang="de-DE" smtClean="0"/>
-              <a:t>25.08.2021</a:t>
+              <a:t>03.04.2022</a:t>
             </a:fld>
             <a:endParaRPr lang="de-DE"/>
           </a:p>
@@ -2398,7 +2399,7 @@
           <a:p>
             <a:fld id="{16AA6F50-2625-484A-8F18-DF3F83B384C2}" type="datetimeFigureOut">
               <a:rPr lang="de-DE" smtClean="0"/>
-              <a:t>25.08.2021</a:t>
+              <a:t>03.04.2022</a:t>
             </a:fld>
             <a:endParaRPr lang="de-DE"/>
           </a:p>
@@ -2687,7 +2688,7 @@
           <a:p>
             <a:fld id="{16AA6F50-2625-484A-8F18-DF3F83B384C2}" type="datetimeFigureOut">
               <a:rPr lang="de-DE" smtClean="0"/>
-              <a:t>25.08.2021</a:t>
+              <a:t>03.04.2022</a:t>
             </a:fld>
             <a:endParaRPr lang="de-DE"/>
           </a:p>
@@ -2930,7 +2931,7 @@
           <a:p>
             <a:fld id="{16AA6F50-2625-484A-8F18-DF3F83B384C2}" type="datetimeFigureOut">
               <a:rPr lang="de-DE" smtClean="0"/>
-              <a:t>25.08.2021</a:t>
+              <a:t>03.04.2022</a:t>
             </a:fld>
             <a:endParaRPr lang="de-DE"/>
           </a:p>
@@ -7166,6 +7167,3505 @@
 </p:sld>
 </file>
 
+<file path=ppt/slides/slide2.xml><?xml version="1.0" encoding="utf-8"?>
+<p:sld xmlns:a="http://schemas.openxmlformats.org/drawingml/2006/main" xmlns:r="http://schemas.openxmlformats.org/officeDocument/2006/relationships" xmlns:p="http://schemas.openxmlformats.org/presentationml/2006/main">
+  <p:cSld>
+    <p:spTree>
+      <p:nvGrpSpPr>
+        <p:cNvPr id="1" name=""/>
+        <p:cNvGrpSpPr/>
+        <p:nvPr/>
+      </p:nvGrpSpPr>
+      <p:grpSpPr>
+        <a:xfrm>
+          <a:off x="0" y="0"/>
+          <a:ext cx="0" cy="0"/>
+          <a:chOff x="0" y="0"/>
+          <a:chExt cx="0" cy="0"/>
+        </a:xfrm>
+      </p:grpSpPr>
+      <p:sp>
+        <p:nvSpPr>
+          <p:cNvPr id="229" name="Rectangle 228">
+            <a:extLst>
+              <a:ext uri="{FF2B5EF4-FFF2-40B4-BE49-F238E27FC236}">
+                <a16:creationId xmlns:a16="http://schemas.microsoft.com/office/drawing/2014/main" id="{2AEA0553-9726-4F3C-9241-C8CBD23E2275}"/>
+              </a:ext>
+            </a:extLst>
+          </p:cNvPr>
+          <p:cNvSpPr/>
+          <p:nvPr/>
+        </p:nvSpPr>
+        <p:spPr>
+          <a:xfrm>
+            <a:off x="613589" y="1783808"/>
+            <a:ext cx="753259" cy="1368567"/>
+          </a:xfrm>
+          <a:prstGeom prst="rect">
+            <a:avLst/>
+          </a:prstGeom>
+        </p:spPr>
+        <p:style>
+          <a:lnRef idx="2">
+            <a:schemeClr val="accent1">
+              <a:shade val="50000"/>
+            </a:schemeClr>
+          </a:lnRef>
+          <a:fillRef idx="1">
+            <a:schemeClr val="accent1"/>
+          </a:fillRef>
+          <a:effectRef idx="0">
+            <a:schemeClr val="accent1"/>
+          </a:effectRef>
+          <a:fontRef idx="minor">
+            <a:schemeClr val="lt1"/>
+          </a:fontRef>
+        </p:style>
+        <p:txBody>
+          <a:bodyPr rtlCol="0" anchor="ctr"/>
+          <a:lstStyle/>
+          <a:p>
+            <a:pPr algn="ctr"/>
+            <a:r>
+              <a:rPr lang="en-US" sz="900" dirty="0">
+                <a:solidFill>
+                  <a:schemeClr val="bg1"/>
+                </a:solidFill>
+              </a:rPr>
+              <a:t>Push button</a:t>
+            </a:r>
+          </a:p>
+          <a:p>
+            <a:pPr algn="ctr"/>
+            <a:endParaRPr lang="en-US" sz="900" dirty="0">
+              <a:solidFill>
+                <a:schemeClr val="bg1"/>
+              </a:solidFill>
+            </a:endParaRPr>
+          </a:p>
+          <a:p>
+            <a:pPr algn="ctr"/>
+            <a:endParaRPr lang="en-US" sz="900" dirty="0">
+              <a:solidFill>
+                <a:schemeClr val="bg1"/>
+              </a:solidFill>
+            </a:endParaRPr>
+          </a:p>
+          <a:p>
+            <a:pPr algn="ctr"/>
+            <a:endParaRPr lang="en-US" sz="900" dirty="0">
+              <a:solidFill>
+                <a:schemeClr val="bg1"/>
+              </a:solidFill>
+            </a:endParaRPr>
+          </a:p>
+          <a:p>
+            <a:pPr algn="ctr"/>
+            <a:endParaRPr lang="en-US" sz="900" dirty="0">
+              <a:solidFill>
+                <a:schemeClr val="bg1"/>
+              </a:solidFill>
+            </a:endParaRPr>
+          </a:p>
+          <a:p>
+            <a:pPr algn="ctr"/>
+            <a:endParaRPr lang="en-US" sz="900" dirty="0">
+              <a:solidFill>
+                <a:schemeClr val="bg1"/>
+              </a:solidFill>
+            </a:endParaRPr>
+          </a:p>
+          <a:p>
+            <a:pPr algn="ctr"/>
+            <a:endParaRPr lang="en-US" sz="900" dirty="0">
+              <a:solidFill>
+                <a:schemeClr val="bg1"/>
+              </a:solidFill>
+            </a:endParaRPr>
+          </a:p>
+          <a:p>
+            <a:pPr algn="ctr"/>
+            <a:endParaRPr lang="en-US" sz="900" dirty="0">
+              <a:solidFill>
+                <a:schemeClr val="bg1"/>
+              </a:solidFill>
+            </a:endParaRPr>
+          </a:p>
+          <a:p>
+            <a:pPr algn="ctr"/>
+            <a:endParaRPr lang="de-DE" sz="900" dirty="0">
+              <a:solidFill>
+                <a:schemeClr val="bg1"/>
+              </a:solidFill>
+            </a:endParaRPr>
+          </a:p>
+        </p:txBody>
+      </p:sp>
+      <p:pic>
+        <p:nvPicPr>
+          <p:cNvPr id="1026" name="Picture 2" descr="Simple Guide to the Raspberry Pi GPIO Header - Raspberry Pi Spy">
+            <a:extLst>
+              <a:ext uri="{FF2B5EF4-FFF2-40B4-BE49-F238E27FC236}">
+                <a16:creationId xmlns:a16="http://schemas.microsoft.com/office/drawing/2014/main" id="{8FFFE6D0-F3FA-467E-B0E1-81BCCD84364C}"/>
+              </a:ext>
+            </a:extLst>
+          </p:cNvPr>
+          <p:cNvPicPr>
+            <a:picLocks noChangeAspect="1" noChangeArrowheads="1"/>
+          </p:cNvPicPr>
+          <p:nvPr/>
+        </p:nvPicPr>
+        <p:blipFill>
+          <a:blip r:embed="rId2">
+            <a:extLst>
+              <a:ext uri="{28A0092B-C50C-407E-A947-70E740481C1C}">
+                <a14:useLocalDpi xmlns:a14="http://schemas.microsoft.com/office/drawing/2010/main" val="0"/>
+              </a:ext>
+            </a:extLst>
+          </a:blip>
+          <a:srcRect/>
+          <a:stretch>
+            <a:fillRect/>
+          </a:stretch>
+        </p:blipFill>
+        <p:spPr bwMode="auto">
+          <a:xfrm rot="5400000">
+            <a:off x="966789" y="3162895"/>
+            <a:ext cx="4604252" cy="1534751"/>
+          </a:xfrm>
+          <a:prstGeom prst="rect">
+            <a:avLst/>
+          </a:prstGeom>
+          <a:noFill/>
+          <a:extLst>
+            <a:ext uri="{909E8E84-426E-40DD-AFC4-6F175D3DCCD1}">
+              <a14:hiddenFill xmlns:a14="http://schemas.microsoft.com/office/drawing/2010/main">
+                <a:solidFill>
+                  <a:srgbClr val="FFFFFF"/>
+                </a:solidFill>
+              </a14:hiddenFill>
+            </a:ext>
+          </a:extLst>
+        </p:spPr>
+      </p:pic>
+      <p:cxnSp>
+        <p:nvCxnSpPr>
+          <p:cNvPr id="6" name="Connector: Elbow 5">
+            <a:extLst>
+              <a:ext uri="{FF2B5EF4-FFF2-40B4-BE49-F238E27FC236}">
+                <a16:creationId xmlns:a16="http://schemas.microsoft.com/office/drawing/2014/main" id="{90D90A8D-F1E2-47F4-82AE-AD044A240FDD}"/>
+              </a:ext>
+            </a:extLst>
+          </p:cNvPr>
+          <p:cNvCxnSpPr>
+            <a:cxnSpLocks/>
+            <a:endCxn id="17" idx="2"/>
+          </p:cNvCxnSpPr>
+          <p:nvPr/>
+        </p:nvCxnSpPr>
+        <p:spPr>
+          <a:xfrm rot="10800000">
+            <a:off x="7617532" y="4206822"/>
+            <a:ext cx="1188607" cy="849097"/>
+          </a:xfrm>
+          <a:prstGeom prst="bentConnector2">
+            <a:avLst/>
+          </a:prstGeom>
+          <a:ln w="15875">
+            <a:solidFill>
+              <a:srgbClr val="00B050"/>
+            </a:solidFill>
+            <a:tailEnd type="none"/>
+          </a:ln>
+        </p:spPr>
+        <p:style>
+          <a:lnRef idx="1">
+            <a:schemeClr val="accent1"/>
+          </a:lnRef>
+          <a:fillRef idx="0">
+            <a:schemeClr val="accent1"/>
+          </a:fillRef>
+          <a:effectRef idx="0">
+            <a:schemeClr val="accent1"/>
+          </a:effectRef>
+          <a:fontRef idx="minor">
+            <a:schemeClr val="tx1"/>
+          </a:fontRef>
+        </p:style>
+      </p:cxnSp>
+      <p:cxnSp>
+        <p:nvCxnSpPr>
+          <p:cNvPr id="9" name="Connector: Elbow 8">
+            <a:extLst>
+              <a:ext uri="{FF2B5EF4-FFF2-40B4-BE49-F238E27FC236}">
+                <a16:creationId xmlns:a16="http://schemas.microsoft.com/office/drawing/2014/main" id="{32A4F854-EACD-48B5-A1A0-DD6A64F9F8F7}"/>
+              </a:ext>
+            </a:extLst>
+          </p:cNvPr>
+          <p:cNvCxnSpPr>
+            <a:cxnSpLocks/>
+          </p:cNvCxnSpPr>
+          <p:nvPr/>
+        </p:nvCxnSpPr>
+        <p:spPr>
+          <a:xfrm flipV="1">
+            <a:off x="3177309" y="5573625"/>
+            <a:ext cx="5486400" cy="238641"/>
+          </a:xfrm>
+          <a:prstGeom prst="bentConnector3">
+            <a:avLst/>
+          </a:prstGeom>
+          <a:ln w="15875">
+            <a:solidFill>
+              <a:schemeClr val="tx1"/>
+            </a:solidFill>
+            <a:tailEnd type="none"/>
+          </a:ln>
+        </p:spPr>
+        <p:style>
+          <a:lnRef idx="1">
+            <a:schemeClr val="accent1"/>
+          </a:lnRef>
+          <a:fillRef idx="0">
+            <a:schemeClr val="accent1"/>
+          </a:fillRef>
+          <a:effectRef idx="0">
+            <a:schemeClr val="accent1"/>
+          </a:effectRef>
+          <a:fontRef idx="minor">
+            <a:schemeClr val="tx1"/>
+          </a:fontRef>
+        </p:style>
+      </p:cxnSp>
+      <p:cxnSp>
+        <p:nvCxnSpPr>
+          <p:cNvPr id="12" name="Connector: Elbow 11">
+            <a:extLst>
+              <a:ext uri="{FF2B5EF4-FFF2-40B4-BE49-F238E27FC236}">
+                <a16:creationId xmlns:a16="http://schemas.microsoft.com/office/drawing/2014/main" id="{84AE0B85-71C2-4340-9E7F-C081257DADD1}"/>
+              </a:ext>
+            </a:extLst>
+          </p:cNvPr>
+          <p:cNvCxnSpPr>
+            <a:cxnSpLocks/>
+          </p:cNvCxnSpPr>
+          <p:nvPr/>
+        </p:nvCxnSpPr>
+        <p:spPr>
+          <a:xfrm>
+            <a:off x="3435927" y="2032034"/>
+            <a:ext cx="5227782" cy="3223457"/>
+          </a:xfrm>
+          <a:prstGeom prst="bentConnector3">
+            <a:avLst>
+              <a:gd name="adj1" fmla="val 50000"/>
+            </a:avLst>
+          </a:prstGeom>
+          <a:ln w="15875">
+            <a:solidFill>
+              <a:srgbClr val="FF0000"/>
+            </a:solidFill>
+            <a:tailEnd type="none"/>
+          </a:ln>
+        </p:spPr>
+        <p:style>
+          <a:lnRef idx="1">
+            <a:schemeClr val="dk1"/>
+          </a:lnRef>
+          <a:fillRef idx="0">
+            <a:schemeClr val="dk1"/>
+          </a:fillRef>
+          <a:effectRef idx="0">
+            <a:schemeClr val="dk1"/>
+          </a:effectRef>
+          <a:fontRef idx="minor">
+            <a:schemeClr val="tx1"/>
+          </a:fontRef>
+        </p:style>
+      </p:cxnSp>
+      <p:sp>
+        <p:nvSpPr>
+          <p:cNvPr id="17" name="Rectangle 16">
+            <a:extLst>
+              <a:ext uri="{FF2B5EF4-FFF2-40B4-BE49-F238E27FC236}">
+                <a16:creationId xmlns:a16="http://schemas.microsoft.com/office/drawing/2014/main" id="{D91B1198-944F-4A56-BDEC-CD6B2FCB8BDB}"/>
+              </a:ext>
+            </a:extLst>
+          </p:cNvPr>
+          <p:cNvSpPr/>
+          <p:nvPr/>
+        </p:nvSpPr>
+        <p:spPr>
+          <a:xfrm>
+            <a:off x="6970985" y="3570472"/>
+            <a:ext cx="1293091" cy="636349"/>
+          </a:xfrm>
+          <a:prstGeom prst="rect">
+            <a:avLst/>
+          </a:prstGeom>
+        </p:spPr>
+        <p:style>
+          <a:lnRef idx="2">
+            <a:schemeClr val="accent1">
+              <a:shade val="50000"/>
+            </a:schemeClr>
+          </a:lnRef>
+          <a:fillRef idx="1">
+            <a:schemeClr val="accent1"/>
+          </a:fillRef>
+          <a:effectRef idx="0">
+            <a:schemeClr val="accent1"/>
+          </a:effectRef>
+          <a:fontRef idx="minor">
+            <a:schemeClr val="lt1"/>
+          </a:fontRef>
+        </p:style>
+        <p:txBody>
+          <a:bodyPr rtlCol="0" anchor="ctr"/>
+          <a:lstStyle/>
+          <a:p>
+            <a:pPr algn="ctr"/>
+            <a:r>
+              <a:rPr lang="en-US" sz="900" dirty="0"/>
+              <a:t>MCO</a:t>
+            </a:r>
+          </a:p>
+          <a:p>
+            <a:pPr algn="ctr"/>
+            <a:r>
+              <a:rPr lang="en-US" sz="900" dirty="0"/>
+              <a:t>Microcontroller</a:t>
+            </a:r>
+          </a:p>
+          <a:p>
+            <a:pPr algn="ctr"/>
+            <a:r>
+              <a:rPr lang="en-US" sz="900" dirty="0"/>
+              <a:t>ATMega328p</a:t>
+            </a:r>
+            <a:endParaRPr lang="de-DE" sz="900" dirty="0"/>
+          </a:p>
+        </p:txBody>
+      </p:sp>
+      <p:sp>
+        <p:nvSpPr>
+          <p:cNvPr id="33" name="TextBox 32">
+            <a:extLst>
+              <a:ext uri="{FF2B5EF4-FFF2-40B4-BE49-F238E27FC236}">
+                <a16:creationId xmlns:a16="http://schemas.microsoft.com/office/drawing/2014/main" id="{AEC30F6E-77BE-4C92-ABBE-C12DD08FC9E0}"/>
+              </a:ext>
+            </a:extLst>
+          </p:cNvPr>
+          <p:cNvSpPr txBox="1"/>
+          <p:nvPr/>
+        </p:nvSpPr>
+        <p:spPr>
+          <a:xfrm>
+            <a:off x="8295826" y="5533622"/>
+            <a:ext cx="401072" cy="369332"/>
+          </a:xfrm>
+          <a:prstGeom prst="rect">
+            <a:avLst/>
+          </a:prstGeom>
+          <a:noFill/>
+        </p:spPr>
+        <p:txBody>
+          <a:bodyPr wrap="none" rtlCol="0">
+            <a:spAutoFit/>
+          </a:bodyPr>
+          <a:lstStyle/>
+          <a:p>
+            <a:pPr algn="ctr"/>
+            <a:r>
+              <a:rPr lang="en-US" sz="900" dirty="0"/>
+              <a:t>GND</a:t>
+            </a:r>
+          </a:p>
+          <a:p>
+            <a:pPr algn="ctr"/>
+            <a:r>
+              <a:rPr lang="en-US" sz="900" u="sng" dirty="0"/>
+              <a:t>39</a:t>
+            </a:r>
+            <a:endParaRPr lang="de-DE" sz="900" u="sng" dirty="0"/>
+          </a:p>
+        </p:txBody>
+      </p:sp>
+      <p:sp>
+        <p:nvSpPr>
+          <p:cNvPr id="35" name="TextBox 34">
+            <a:extLst>
+              <a:ext uri="{FF2B5EF4-FFF2-40B4-BE49-F238E27FC236}">
+                <a16:creationId xmlns:a16="http://schemas.microsoft.com/office/drawing/2014/main" id="{AFBF5AC6-30DC-4DCD-81A5-300A5BA3C729}"/>
+              </a:ext>
+            </a:extLst>
+          </p:cNvPr>
+          <p:cNvSpPr txBox="1"/>
+          <p:nvPr/>
+        </p:nvSpPr>
+        <p:spPr>
+          <a:xfrm>
+            <a:off x="8287031" y="5090415"/>
+            <a:ext cx="308098" cy="369332"/>
+          </a:xfrm>
+          <a:prstGeom prst="rect">
+            <a:avLst/>
+          </a:prstGeom>
+          <a:noFill/>
+        </p:spPr>
+        <p:txBody>
+          <a:bodyPr wrap="none" rtlCol="0">
+            <a:spAutoFit/>
+          </a:bodyPr>
+          <a:lstStyle/>
+          <a:p>
+            <a:r>
+              <a:rPr lang="en-US" sz="900" dirty="0">
+                <a:solidFill>
+                  <a:srgbClr val="FF0000"/>
+                </a:solidFill>
+              </a:rPr>
+              <a:t>5V</a:t>
+            </a:r>
+          </a:p>
+          <a:p>
+            <a:r>
+              <a:rPr lang="en-US" sz="900" u="sng" dirty="0">
+                <a:solidFill>
+                  <a:srgbClr val="FF0000"/>
+                </a:solidFill>
+              </a:rPr>
+              <a:t>2+</a:t>
+            </a:r>
+            <a:endParaRPr lang="de-DE" sz="900" u="sng" dirty="0">
+              <a:solidFill>
+                <a:srgbClr val="FF0000"/>
+              </a:solidFill>
+            </a:endParaRPr>
+          </a:p>
+        </p:txBody>
+      </p:sp>
+      <p:cxnSp>
+        <p:nvCxnSpPr>
+          <p:cNvPr id="37" name="Connector: Elbow 36">
+            <a:extLst>
+              <a:ext uri="{FF2B5EF4-FFF2-40B4-BE49-F238E27FC236}">
+                <a16:creationId xmlns:a16="http://schemas.microsoft.com/office/drawing/2014/main" id="{004E0365-F18E-44D5-950C-995400B9E818}"/>
+              </a:ext>
+            </a:extLst>
+          </p:cNvPr>
+          <p:cNvCxnSpPr>
+            <a:cxnSpLocks/>
+            <a:endCxn id="36" idx="1"/>
+          </p:cNvCxnSpPr>
+          <p:nvPr/>
+        </p:nvCxnSpPr>
+        <p:spPr>
+          <a:xfrm flipV="1">
+            <a:off x="5981238" y="618836"/>
+            <a:ext cx="2613891" cy="1413197"/>
+          </a:xfrm>
+          <a:prstGeom prst="bentConnector3">
+            <a:avLst>
+              <a:gd name="adj1" fmla="val 50000"/>
+            </a:avLst>
+          </a:prstGeom>
+          <a:ln w="15875">
+            <a:solidFill>
+              <a:srgbClr val="FF0000"/>
+            </a:solidFill>
+            <a:tailEnd type="none"/>
+          </a:ln>
+        </p:spPr>
+        <p:style>
+          <a:lnRef idx="1">
+            <a:schemeClr val="dk1"/>
+          </a:lnRef>
+          <a:fillRef idx="0">
+            <a:schemeClr val="dk1"/>
+          </a:fillRef>
+          <a:effectRef idx="0">
+            <a:schemeClr val="dk1"/>
+          </a:effectRef>
+          <a:fontRef idx="minor">
+            <a:schemeClr val="tx1"/>
+          </a:fontRef>
+        </p:style>
+      </p:cxnSp>
+      <p:sp>
+        <p:nvSpPr>
+          <p:cNvPr id="40" name="Rectangle 39">
+            <a:extLst>
+              <a:ext uri="{FF2B5EF4-FFF2-40B4-BE49-F238E27FC236}">
+                <a16:creationId xmlns:a16="http://schemas.microsoft.com/office/drawing/2014/main" id="{37E32D92-6F0A-43A3-A78D-1D19E7850172}"/>
+              </a:ext>
+            </a:extLst>
+          </p:cNvPr>
+          <p:cNvSpPr/>
+          <p:nvPr/>
+        </p:nvSpPr>
+        <p:spPr>
+          <a:xfrm>
+            <a:off x="4786921" y="3138910"/>
+            <a:ext cx="773158" cy="1410475"/>
+          </a:xfrm>
+          <a:prstGeom prst="rect">
+            <a:avLst/>
+          </a:prstGeom>
+        </p:spPr>
+        <p:style>
+          <a:lnRef idx="2">
+            <a:schemeClr val="accent1">
+              <a:shade val="50000"/>
+            </a:schemeClr>
+          </a:lnRef>
+          <a:fillRef idx="1">
+            <a:schemeClr val="accent1"/>
+          </a:fillRef>
+          <a:effectRef idx="0">
+            <a:schemeClr val="accent1"/>
+          </a:effectRef>
+          <a:fontRef idx="minor">
+            <a:schemeClr val="lt1"/>
+          </a:fontRef>
+        </p:style>
+        <p:txBody>
+          <a:bodyPr rtlCol="0" anchor="ctr"/>
+          <a:lstStyle/>
+          <a:p>
+            <a:pPr algn="ctr"/>
+            <a:r>
+              <a:rPr lang="en-US" sz="900" dirty="0"/>
+              <a:t>I2S </a:t>
+            </a:r>
+            <a:r>
+              <a:rPr lang="en-US" sz="900" dirty="0" err="1"/>
+              <a:t>DAC+amp</a:t>
+            </a:r>
+            <a:endParaRPr lang="en-US" sz="900" dirty="0"/>
+          </a:p>
+          <a:p>
+            <a:pPr algn="ctr"/>
+            <a:r>
+              <a:rPr lang="en-US" sz="900" dirty="0"/>
+              <a:t>MAX98357</a:t>
+            </a:r>
+          </a:p>
+          <a:p>
+            <a:pPr algn="ctr"/>
+            <a:endParaRPr lang="en-US" sz="900" dirty="0"/>
+          </a:p>
+          <a:p>
+            <a:pPr algn="ctr"/>
+            <a:endParaRPr lang="en-US" sz="900" dirty="0"/>
+          </a:p>
+          <a:p>
+            <a:pPr algn="ctr"/>
+            <a:endParaRPr lang="de-DE" sz="900" dirty="0"/>
+          </a:p>
+        </p:txBody>
+      </p:sp>
+      <p:cxnSp>
+        <p:nvCxnSpPr>
+          <p:cNvPr id="42" name="Connector: Elbow 41">
+            <a:extLst>
+              <a:ext uri="{FF2B5EF4-FFF2-40B4-BE49-F238E27FC236}">
+                <a16:creationId xmlns:a16="http://schemas.microsoft.com/office/drawing/2014/main" id="{D5B4C877-C75F-4586-9B99-1D7E206849FA}"/>
+              </a:ext>
+            </a:extLst>
+          </p:cNvPr>
+          <p:cNvCxnSpPr>
+            <a:cxnSpLocks/>
+          </p:cNvCxnSpPr>
+          <p:nvPr/>
+        </p:nvCxnSpPr>
+        <p:spPr>
+          <a:xfrm rot="5400000" flipH="1" flipV="1">
+            <a:off x="5245014" y="2192798"/>
+            <a:ext cx="4758286" cy="2003371"/>
+          </a:xfrm>
+          <a:prstGeom prst="bentConnector3">
+            <a:avLst/>
+          </a:prstGeom>
+          <a:ln w="15875">
+            <a:solidFill>
+              <a:schemeClr val="tx1"/>
+            </a:solidFill>
+            <a:tailEnd type="none"/>
+          </a:ln>
+        </p:spPr>
+        <p:style>
+          <a:lnRef idx="1">
+            <a:schemeClr val="accent1"/>
+          </a:lnRef>
+          <a:fillRef idx="0">
+            <a:schemeClr val="accent1"/>
+          </a:fillRef>
+          <a:effectRef idx="0">
+            <a:schemeClr val="accent1"/>
+          </a:effectRef>
+          <a:fontRef idx="minor">
+            <a:schemeClr val="tx1"/>
+          </a:fontRef>
+        </p:style>
+      </p:cxnSp>
+      <p:sp>
+        <p:nvSpPr>
+          <p:cNvPr id="45" name="Rectangle 44">
+            <a:extLst>
+              <a:ext uri="{FF2B5EF4-FFF2-40B4-BE49-F238E27FC236}">
+                <a16:creationId xmlns:a16="http://schemas.microsoft.com/office/drawing/2014/main" id="{4CB7311A-1C43-4A37-A6E4-E1AD42C32BDC}"/>
+              </a:ext>
+            </a:extLst>
+          </p:cNvPr>
+          <p:cNvSpPr/>
+          <p:nvPr/>
+        </p:nvSpPr>
+        <p:spPr>
+          <a:xfrm>
+            <a:off x="1662546" y="196989"/>
+            <a:ext cx="1274619" cy="636349"/>
+          </a:xfrm>
+          <a:prstGeom prst="rect">
+            <a:avLst/>
+          </a:prstGeom>
+        </p:spPr>
+        <p:style>
+          <a:lnRef idx="2">
+            <a:schemeClr val="accent1">
+              <a:shade val="50000"/>
+            </a:schemeClr>
+          </a:lnRef>
+          <a:fillRef idx="1">
+            <a:schemeClr val="accent1"/>
+          </a:fillRef>
+          <a:effectRef idx="0">
+            <a:schemeClr val="accent1"/>
+          </a:effectRef>
+          <a:fontRef idx="minor">
+            <a:schemeClr val="lt1"/>
+          </a:fontRef>
+        </p:style>
+        <p:txBody>
+          <a:bodyPr rtlCol="0" anchor="ctr"/>
+          <a:lstStyle/>
+          <a:p>
+            <a:pPr algn="ctr"/>
+            <a:r>
+              <a:rPr lang="en-US" sz="900" dirty="0">
+                <a:solidFill>
+                  <a:schemeClr val="bg1"/>
+                </a:solidFill>
+              </a:rPr>
+              <a:t>OLED</a:t>
+            </a:r>
+          </a:p>
+          <a:p>
+            <a:pPr algn="ctr"/>
+            <a:r>
+              <a:rPr lang="de-DE" sz="900" b="0" i="0" dirty="0">
+                <a:solidFill>
+                  <a:schemeClr val="bg1"/>
+                </a:solidFill>
+                <a:effectLst/>
+                <a:latin typeface="-apple-system"/>
+              </a:rPr>
+              <a:t>128*64. </a:t>
+            </a:r>
+            <a:r>
+              <a:rPr lang="de-DE" sz="900" b="0" i="0" dirty="0">
+                <a:solidFill>
+                  <a:schemeClr val="bg1"/>
+                </a:solidFill>
+                <a:effectLst/>
+                <a:latin typeface="Amazon Ember"/>
+              </a:rPr>
+              <a:t>SSD 1306</a:t>
+            </a:r>
+            <a:endParaRPr lang="de-DE" sz="900" dirty="0">
+              <a:solidFill>
+                <a:schemeClr val="bg1"/>
+              </a:solidFill>
+            </a:endParaRPr>
+          </a:p>
+        </p:txBody>
+      </p:sp>
+      <p:sp>
+        <p:nvSpPr>
+          <p:cNvPr id="48" name="TextBox 47">
+            <a:extLst>
+              <a:ext uri="{FF2B5EF4-FFF2-40B4-BE49-F238E27FC236}">
+                <a16:creationId xmlns:a16="http://schemas.microsoft.com/office/drawing/2014/main" id="{54A2036F-D6E6-409D-8694-DD73AD6CED7A}"/>
+              </a:ext>
+            </a:extLst>
+          </p:cNvPr>
+          <p:cNvSpPr txBox="1"/>
+          <p:nvPr/>
+        </p:nvSpPr>
+        <p:spPr>
+          <a:xfrm>
+            <a:off x="8218311" y="411513"/>
+            <a:ext cx="308098" cy="369332"/>
+          </a:xfrm>
+          <a:prstGeom prst="rect">
+            <a:avLst/>
+          </a:prstGeom>
+          <a:noFill/>
+        </p:spPr>
+        <p:txBody>
+          <a:bodyPr wrap="none" rtlCol="0">
+            <a:spAutoFit/>
+          </a:bodyPr>
+          <a:lstStyle/>
+          <a:p>
+            <a:r>
+              <a:rPr lang="en-US" sz="900" dirty="0">
+                <a:solidFill>
+                  <a:srgbClr val="FF0000"/>
+                </a:solidFill>
+              </a:rPr>
+              <a:t>5V</a:t>
+            </a:r>
+          </a:p>
+          <a:p>
+            <a:r>
+              <a:rPr lang="en-US" sz="900" u="sng" dirty="0">
+                <a:solidFill>
+                  <a:srgbClr val="FF0000"/>
+                </a:solidFill>
+              </a:rPr>
+              <a:t>2+</a:t>
+            </a:r>
+            <a:endParaRPr lang="de-DE" sz="900" u="sng" dirty="0">
+              <a:solidFill>
+                <a:srgbClr val="FF0000"/>
+              </a:solidFill>
+            </a:endParaRPr>
+          </a:p>
+        </p:txBody>
+      </p:sp>
+      <p:cxnSp>
+        <p:nvCxnSpPr>
+          <p:cNvPr id="50" name="Connector: Elbow 49">
+            <a:extLst>
+              <a:ext uri="{FF2B5EF4-FFF2-40B4-BE49-F238E27FC236}">
+                <a16:creationId xmlns:a16="http://schemas.microsoft.com/office/drawing/2014/main" id="{26D2CBF7-C2A1-452C-B158-751BF78645C7}"/>
+              </a:ext>
+            </a:extLst>
+          </p:cNvPr>
+          <p:cNvCxnSpPr>
+            <a:cxnSpLocks/>
+          </p:cNvCxnSpPr>
+          <p:nvPr/>
+        </p:nvCxnSpPr>
+        <p:spPr>
+          <a:xfrm rot="16200000" flipH="1">
+            <a:off x="1915253" y="996266"/>
+            <a:ext cx="1351094" cy="1025237"/>
+          </a:xfrm>
+          <a:prstGeom prst="bentConnector3">
+            <a:avLst>
+              <a:gd name="adj1" fmla="val 98537"/>
+            </a:avLst>
+          </a:prstGeom>
+          <a:ln w="15875">
+            <a:solidFill>
+              <a:schemeClr val="accent6">
+                <a:lumMod val="75000"/>
+              </a:schemeClr>
+            </a:solidFill>
+            <a:tailEnd type="none"/>
+          </a:ln>
+        </p:spPr>
+        <p:style>
+          <a:lnRef idx="1">
+            <a:schemeClr val="dk1"/>
+          </a:lnRef>
+          <a:fillRef idx="0">
+            <a:schemeClr val="dk1"/>
+          </a:fillRef>
+          <a:effectRef idx="0">
+            <a:schemeClr val="dk1"/>
+          </a:effectRef>
+          <a:fontRef idx="minor">
+            <a:schemeClr val="tx1"/>
+          </a:fontRef>
+        </p:style>
+      </p:cxnSp>
+      <p:cxnSp>
+        <p:nvCxnSpPr>
+          <p:cNvPr id="57" name="Connector: Elbow 56">
+            <a:extLst>
+              <a:ext uri="{FF2B5EF4-FFF2-40B4-BE49-F238E27FC236}">
+                <a16:creationId xmlns:a16="http://schemas.microsoft.com/office/drawing/2014/main" id="{C4292811-13DF-4993-88B4-638DBA71E748}"/>
+              </a:ext>
+            </a:extLst>
+          </p:cNvPr>
+          <p:cNvCxnSpPr>
+            <a:cxnSpLocks/>
+          </p:cNvCxnSpPr>
+          <p:nvPr/>
+        </p:nvCxnSpPr>
+        <p:spPr>
+          <a:xfrm rot="16200000" flipH="1">
+            <a:off x="1617156" y="961854"/>
+            <a:ext cx="1531653" cy="1274618"/>
+          </a:xfrm>
+          <a:prstGeom prst="bentConnector3">
+            <a:avLst>
+              <a:gd name="adj1" fmla="val 100052"/>
+            </a:avLst>
+          </a:prstGeom>
+          <a:ln w="15875">
+            <a:solidFill>
+              <a:schemeClr val="accent6">
+                <a:lumMod val="75000"/>
+              </a:schemeClr>
+            </a:solidFill>
+            <a:tailEnd type="none"/>
+          </a:ln>
+        </p:spPr>
+        <p:style>
+          <a:lnRef idx="1">
+            <a:schemeClr val="dk1"/>
+          </a:lnRef>
+          <a:fillRef idx="0">
+            <a:schemeClr val="dk1"/>
+          </a:fillRef>
+          <a:effectRef idx="0">
+            <a:schemeClr val="dk1"/>
+          </a:effectRef>
+          <a:fontRef idx="minor">
+            <a:schemeClr val="tx1"/>
+          </a:fontRef>
+        </p:style>
+      </p:cxnSp>
+      <p:sp>
+        <p:nvSpPr>
+          <p:cNvPr id="64" name="TextBox 63">
+            <a:extLst>
+              <a:ext uri="{FF2B5EF4-FFF2-40B4-BE49-F238E27FC236}">
+                <a16:creationId xmlns:a16="http://schemas.microsoft.com/office/drawing/2014/main" id="{B4FA6AA0-BE84-4112-BF1E-356510D82BBD}"/>
+              </a:ext>
+            </a:extLst>
+          </p:cNvPr>
+          <p:cNvSpPr txBox="1"/>
+          <p:nvPr/>
+        </p:nvSpPr>
+        <p:spPr>
+          <a:xfrm>
+            <a:off x="1765372" y="807935"/>
+            <a:ext cx="375423" cy="369332"/>
+          </a:xfrm>
+          <a:prstGeom prst="rect">
+            <a:avLst/>
+          </a:prstGeom>
+          <a:noFill/>
+        </p:spPr>
+        <p:txBody>
+          <a:bodyPr wrap="none" rtlCol="0">
+            <a:spAutoFit/>
+          </a:bodyPr>
+          <a:lstStyle/>
+          <a:p>
+            <a:pPr algn="ctr"/>
+            <a:r>
+              <a:rPr lang="en-US" sz="900" dirty="0">
+                <a:solidFill>
+                  <a:schemeClr val="accent6">
+                    <a:lumMod val="75000"/>
+                  </a:schemeClr>
+                </a:solidFill>
+              </a:rPr>
+              <a:t>SDA</a:t>
+            </a:r>
+          </a:p>
+          <a:p>
+            <a:pPr algn="ctr"/>
+            <a:r>
+              <a:rPr lang="en-US" sz="900" u="sng" dirty="0">
+                <a:solidFill>
+                  <a:schemeClr val="accent6">
+                    <a:lumMod val="75000"/>
+                  </a:schemeClr>
+                </a:solidFill>
+              </a:rPr>
+              <a:t>3</a:t>
+            </a:r>
+            <a:endParaRPr lang="de-DE" sz="900" u="sng" dirty="0">
+              <a:solidFill>
+                <a:schemeClr val="accent6">
+                  <a:lumMod val="75000"/>
+                </a:schemeClr>
+              </a:solidFill>
+            </a:endParaRPr>
+          </a:p>
+        </p:txBody>
+      </p:sp>
+      <p:sp>
+        <p:nvSpPr>
+          <p:cNvPr id="65" name="TextBox 64">
+            <a:extLst>
+              <a:ext uri="{FF2B5EF4-FFF2-40B4-BE49-F238E27FC236}">
+                <a16:creationId xmlns:a16="http://schemas.microsoft.com/office/drawing/2014/main" id="{908B5CD0-E5CA-42C5-985A-71A5E2FD73DD}"/>
+              </a:ext>
+            </a:extLst>
+          </p:cNvPr>
+          <p:cNvSpPr txBox="1"/>
+          <p:nvPr/>
+        </p:nvSpPr>
+        <p:spPr>
+          <a:xfrm>
+            <a:off x="1492206" y="833335"/>
+            <a:ext cx="348172" cy="369332"/>
+          </a:xfrm>
+          <a:prstGeom prst="rect">
+            <a:avLst/>
+          </a:prstGeom>
+          <a:noFill/>
+        </p:spPr>
+        <p:txBody>
+          <a:bodyPr wrap="none" rtlCol="0">
+            <a:spAutoFit/>
+          </a:bodyPr>
+          <a:lstStyle/>
+          <a:p>
+            <a:pPr algn="ctr"/>
+            <a:r>
+              <a:rPr lang="en-US" sz="900" b="1" dirty="0">
+                <a:solidFill>
+                  <a:schemeClr val="accent6">
+                    <a:lumMod val="75000"/>
+                  </a:schemeClr>
+                </a:solidFill>
+              </a:rPr>
+              <a:t>SCL</a:t>
+            </a:r>
+          </a:p>
+          <a:p>
+            <a:pPr algn="ctr"/>
+            <a:r>
+              <a:rPr lang="en-US" sz="900" u="sng" dirty="0">
+                <a:solidFill>
+                  <a:schemeClr val="accent6">
+                    <a:lumMod val="75000"/>
+                  </a:schemeClr>
+                </a:solidFill>
+              </a:rPr>
+              <a:t>5</a:t>
+            </a:r>
+            <a:endParaRPr lang="de-DE" sz="900" u="sng" dirty="0">
+              <a:solidFill>
+                <a:schemeClr val="accent6">
+                  <a:lumMod val="75000"/>
+                </a:schemeClr>
+              </a:solidFill>
+            </a:endParaRPr>
+          </a:p>
+        </p:txBody>
+      </p:sp>
+      <p:sp>
+        <p:nvSpPr>
+          <p:cNvPr id="21" name="TextBox 20">
+            <a:extLst>
+              <a:ext uri="{FF2B5EF4-FFF2-40B4-BE49-F238E27FC236}">
+                <a16:creationId xmlns:a16="http://schemas.microsoft.com/office/drawing/2014/main" id="{44754326-4D70-4FC1-BE10-B98BE8055B0F}"/>
+              </a:ext>
+            </a:extLst>
+          </p:cNvPr>
+          <p:cNvSpPr txBox="1"/>
+          <p:nvPr/>
+        </p:nvSpPr>
+        <p:spPr>
+          <a:xfrm>
+            <a:off x="8295826" y="942361"/>
+            <a:ext cx="401072" cy="369332"/>
+          </a:xfrm>
+          <a:prstGeom prst="rect">
+            <a:avLst/>
+          </a:prstGeom>
+          <a:noFill/>
+        </p:spPr>
+        <p:txBody>
+          <a:bodyPr wrap="none" rtlCol="0">
+            <a:spAutoFit/>
+          </a:bodyPr>
+          <a:lstStyle/>
+          <a:p>
+            <a:r>
+              <a:rPr lang="en-US" sz="900" dirty="0"/>
+              <a:t>GND</a:t>
+            </a:r>
+          </a:p>
+          <a:p>
+            <a:r>
+              <a:rPr lang="en-US" sz="900" u="sng" dirty="0"/>
+              <a:t>39+</a:t>
+            </a:r>
+            <a:endParaRPr lang="de-DE" sz="900" u="sng" dirty="0"/>
+          </a:p>
+        </p:txBody>
+      </p:sp>
+      <p:sp>
+        <p:nvSpPr>
+          <p:cNvPr id="22" name="TextBox 21">
+            <a:extLst>
+              <a:ext uri="{FF2B5EF4-FFF2-40B4-BE49-F238E27FC236}">
+                <a16:creationId xmlns:a16="http://schemas.microsoft.com/office/drawing/2014/main" id="{16D6EB7B-222C-4560-A281-C4BFA49FFD85}"/>
+              </a:ext>
+            </a:extLst>
+          </p:cNvPr>
+          <p:cNvSpPr txBox="1"/>
+          <p:nvPr/>
+        </p:nvSpPr>
+        <p:spPr>
+          <a:xfrm>
+            <a:off x="7592634" y="4187703"/>
+            <a:ext cx="242374" cy="230832"/>
+          </a:xfrm>
+          <a:prstGeom prst="rect">
+            <a:avLst/>
+          </a:prstGeom>
+          <a:noFill/>
+        </p:spPr>
+        <p:txBody>
+          <a:bodyPr wrap="none" rtlCol="0">
+            <a:spAutoFit/>
+          </a:bodyPr>
+          <a:lstStyle/>
+          <a:p>
+            <a:r>
+              <a:rPr lang="en-US" sz="900" dirty="0">
+                <a:solidFill>
+                  <a:srgbClr val="00B050"/>
+                </a:solidFill>
+              </a:rPr>
+              <a:t>6</a:t>
+            </a:r>
+            <a:endParaRPr lang="de-DE" sz="900" dirty="0">
+              <a:solidFill>
+                <a:srgbClr val="00B050"/>
+              </a:solidFill>
+            </a:endParaRPr>
+          </a:p>
+        </p:txBody>
+      </p:sp>
+      <p:cxnSp>
+        <p:nvCxnSpPr>
+          <p:cNvPr id="23" name="Connector: Elbow 22">
+            <a:extLst>
+              <a:ext uri="{FF2B5EF4-FFF2-40B4-BE49-F238E27FC236}">
+                <a16:creationId xmlns:a16="http://schemas.microsoft.com/office/drawing/2014/main" id="{152BF5E5-E959-4DB2-897D-6DDBA12F80D1}"/>
+              </a:ext>
+            </a:extLst>
+          </p:cNvPr>
+          <p:cNvCxnSpPr>
+            <a:cxnSpLocks/>
+          </p:cNvCxnSpPr>
+          <p:nvPr/>
+        </p:nvCxnSpPr>
+        <p:spPr>
+          <a:xfrm rot="5400000" flipH="1" flipV="1">
+            <a:off x="5166422" y="2450730"/>
+            <a:ext cx="1172780" cy="335392"/>
+          </a:xfrm>
+          <a:prstGeom prst="bentConnector3">
+            <a:avLst>
+              <a:gd name="adj1" fmla="val 718"/>
+            </a:avLst>
+          </a:prstGeom>
+          <a:ln w="15875">
+            <a:solidFill>
+              <a:srgbClr val="FF0000"/>
+            </a:solidFill>
+            <a:tailEnd type="none"/>
+          </a:ln>
+        </p:spPr>
+        <p:style>
+          <a:lnRef idx="1">
+            <a:schemeClr val="dk1"/>
+          </a:lnRef>
+          <a:fillRef idx="0">
+            <a:schemeClr val="dk1"/>
+          </a:fillRef>
+          <a:effectRef idx="0">
+            <a:schemeClr val="dk1"/>
+          </a:effectRef>
+          <a:fontRef idx="minor">
+            <a:schemeClr val="tx1"/>
+          </a:fontRef>
+        </p:style>
+      </p:cxnSp>
+      <p:cxnSp>
+        <p:nvCxnSpPr>
+          <p:cNvPr id="26" name="Connector: Elbow 25">
+            <a:extLst>
+              <a:ext uri="{FF2B5EF4-FFF2-40B4-BE49-F238E27FC236}">
+                <a16:creationId xmlns:a16="http://schemas.microsoft.com/office/drawing/2014/main" id="{5106ABE2-F389-463C-9CBE-56A03A742122}"/>
+              </a:ext>
+            </a:extLst>
+          </p:cNvPr>
+          <p:cNvCxnSpPr>
+            <a:cxnSpLocks/>
+          </p:cNvCxnSpPr>
+          <p:nvPr/>
+        </p:nvCxnSpPr>
+        <p:spPr>
+          <a:xfrm flipV="1">
+            <a:off x="5569530" y="2427514"/>
+            <a:ext cx="3044284" cy="938702"/>
+          </a:xfrm>
+          <a:prstGeom prst="bentConnector3">
+            <a:avLst/>
+          </a:prstGeom>
+          <a:ln w="15875">
+            <a:solidFill>
+              <a:schemeClr val="tx1"/>
+            </a:solidFill>
+            <a:tailEnd type="none"/>
+          </a:ln>
+        </p:spPr>
+        <p:style>
+          <a:lnRef idx="1">
+            <a:schemeClr val="accent1"/>
+          </a:lnRef>
+          <a:fillRef idx="0">
+            <a:schemeClr val="accent1"/>
+          </a:fillRef>
+          <a:effectRef idx="0">
+            <a:schemeClr val="accent1"/>
+          </a:effectRef>
+          <a:fontRef idx="minor">
+            <a:schemeClr val="tx1"/>
+          </a:fontRef>
+        </p:style>
+      </p:cxnSp>
+      <p:grpSp>
+        <p:nvGrpSpPr>
+          <p:cNvPr id="71" name="Group 70">
+            <a:extLst>
+              <a:ext uri="{FF2B5EF4-FFF2-40B4-BE49-F238E27FC236}">
+                <a16:creationId xmlns:a16="http://schemas.microsoft.com/office/drawing/2014/main" id="{D81DED03-EF7B-4BBD-899F-B22604F4D15A}"/>
+              </a:ext>
+            </a:extLst>
+          </p:cNvPr>
+          <p:cNvGrpSpPr/>
+          <p:nvPr/>
+        </p:nvGrpSpPr>
+        <p:grpSpPr>
+          <a:xfrm>
+            <a:off x="4910475" y="2718778"/>
+            <a:ext cx="450593" cy="296645"/>
+            <a:chOff x="4960189" y="1471613"/>
+            <a:chExt cx="450593" cy="374872"/>
+          </a:xfrm>
+        </p:grpSpPr>
+        <p:sp>
+          <p:nvSpPr>
+            <p:cNvPr id="49" name="Rectangle 48">
+              <a:extLst>
+                <a:ext uri="{FF2B5EF4-FFF2-40B4-BE49-F238E27FC236}">
+                  <a16:creationId xmlns:a16="http://schemas.microsoft.com/office/drawing/2014/main" id="{C072A665-29A1-445E-A6F6-DF12AE9150EE}"/>
+                </a:ext>
+              </a:extLst>
+            </p:cNvPr>
+            <p:cNvSpPr/>
+            <p:nvPr/>
+          </p:nvSpPr>
+          <p:spPr>
+            <a:xfrm>
+              <a:off x="4960189" y="1628144"/>
+              <a:ext cx="450593" cy="218341"/>
+            </a:xfrm>
+            <a:prstGeom prst="rect">
+              <a:avLst/>
+            </a:prstGeom>
+          </p:spPr>
+          <p:style>
+            <a:lnRef idx="2">
+              <a:schemeClr val="accent1">
+                <a:shade val="50000"/>
+              </a:schemeClr>
+            </a:lnRef>
+            <a:fillRef idx="1">
+              <a:schemeClr val="accent1"/>
+            </a:fillRef>
+            <a:effectRef idx="0">
+              <a:schemeClr val="accent1"/>
+            </a:effectRef>
+            <a:fontRef idx="minor">
+              <a:schemeClr val="lt1"/>
+            </a:fontRef>
+          </p:style>
+          <p:txBody>
+            <a:bodyPr rtlCol="0" anchor="ctr"/>
+            <a:lstStyle/>
+            <a:p>
+              <a:pPr algn="ctr"/>
+              <a:endParaRPr lang="de-DE"/>
+            </a:p>
+          </p:txBody>
+        </p:sp>
+        <p:cxnSp>
+          <p:nvCxnSpPr>
+            <p:cNvPr id="52" name="Straight Connector 51">
+              <a:extLst>
+                <a:ext uri="{FF2B5EF4-FFF2-40B4-BE49-F238E27FC236}">
+                  <a16:creationId xmlns:a16="http://schemas.microsoft.com/office/drawing/2014/main" id="{D8FF12AF-02A1-4DAB-BE92-D7BB25570D58}"/>
+                </a:ext>
+              </a:extLst>
+            </p:cNvPr>
+            <p:cNvCxnSpPr/>
+            <p:nvPr/>
+          </p:nvCxnSpPr>
+          <p:spPr>
+            <a:xfrm flipH="1" flipV="1">
+              <a:off x="4960189" y="1471613"/>
+              <a:ext cx="107111" cy="156531"/>
+            </a:xfrm>
+            <a:prstGeom prst="line">
+              <a:avLst/>
+            </a:prstGeom>
+            <a:ln w="19050"/>
+          </p:spPr>
+          <p:style>
+            <a:lnRef idx="1">
+              <a:schemeClr val="accent1"/>
+            </a:lnRef>
+            <a:fillRef idx="0">
+              <a:schemeClr val="accent1"/>
+            </a:fillRef>
+            <a:effectRef idx="0">
+              <a:schemeClr val="accent1"/>
+            </a:effectRef>
+            <a:fontRef idx="minor">
+              <a:schemeClr val="tx1"/>
+            </a:fontRef>
+          </p:style>
+        </p:cxnSp>
+        <p:cxnSp>
+          <p:nvCxnSpPr>
+            <p:cNvPr id="56" name="Straight Connector 55">
+              <a:extLst>
+                <a:ext uri="{FF2B5EF4-FFF2-40B4-BE49-F238E27FC236}">
+                  <a16:creationId xmlns:a16="http://schemas.microsoft.com/office/drawing/2014/main" id="{CB169B36-858B-4FCC-BC34-FADE9347A8F4}"/>
+                </a:ext>
+              </a:extLst>
+            </p:cNvPr>
+            <p:cNvCxnSpPr/>
+            <p:nvPr/>
+          </p:nvCxnSpPr>
+          <p:spPr>
+            <a:xfrm flipV="1">
+              <a:off x="5314950" y="1471613"/>
+              <a:ext cx="95832" cy="156531"/>
+            </a:xfrm>
+            <a:prstGeom prst="line">
+              <a:avLst/>
+            </a:prstGeom>
+            <a:ln w="19050"/>
+          </p:spPr>
+          <p:style>
+            <a:lnRef idx="1">
+              <a:schemeClr val="accent1"/>
+            </a:lnRef>
+            <a:fillRef idx="0">
+              <a:schemeClr val="accent1"/>
+            </a:fillRef>
+            <a:effectRef idx="0">
+              <a:schemeClr val="accent1"/>
+            </a:effectRef>
+            <a:fontRef idx="minor">
+              <a:schemeClr val="tx1"/>
+            </a:fontRef>
+          </p:style>
+        </p:cxnSp>
+      </p:grpSp>
+      <p:cxnSp>
+        <p:nvCxnSpPr>
+          <p:cNvPr id="70" name="Straight Connector 69">
+            <a:extLst>
+              <a:ext uri="{FF2B5EF4-FFF2-40B4-BE49-F238E27FC236}">
+                <a16:creationId xmlns:a16="http://schemas.microsoft.com/office/drawing/2014/main" id="{754871E1-B36C-4587-8658-9943448F8874}"/>
+              </a:ext>
+            </a:extLst>
+          </p:cNvPr>
+          <p:cNvCxnSpPr>
+            <a:cxnSpLocks/>
+            <a:stCxn id="49" idx="0"/>
+          </p:cNvCxnSpPr>
+          <p:nvPr/>
+        </p:nvCxnSpPr>
+        <p:spPr>
+          <a:xfrm flipH="1">
+            <a:off x="5069987" y="2842645"/>
+            <a:ext cx="65785" cy="302872"/>
+          </a:xfrm>
+          <a:prstGeom prst="line">
+            <a:avLst/>
+          </a:prstGeom>
+        </p:spPr>
+        <p:style>
+          <a:lnRef idx="1">
+            <a:schemeClr val="accent1"/>
+          </a:lnRef>
+          <a:fillRef idx="0">
+            <a:schemeClr val="accent1"/>
+          </a:fillRef>
+          <a:effectRef idx="0">
+            <a:schemeClr val="accent1"/>
+          </a:effectRef>
+          <a:fontRef idx="minor">
+            <a:schemeClr val="tx1"/>
+          </a:fontRef>
+        </p:style>
+      </p:cxnSp>
+      <p:cxnSp>
+        <p:nvCxnSpPr>
+          <p:cNvPr id="72" name="Straight Connector 71">
+            <a:extLst>
+              <a:ext uri="{FF2B5EF4-FFF2-40B4-BE49-F238E27FC236}">
+                <a16:creationId xmlns:a16="http://schemas.microsoft.com/office/drawing/2014/main" id="{4CA23D90-AACA-4DF8-95C5-635E416458C9}"/>
+              </a:ext>
+            </a:extLst>
+          </p:cNvPr>
+          <p:cNvCxnSpPr>
+            <a:cxnSpLocks/>
+            <a:stCxn id="49" idx="0"/>
+          </p:cNvCxnSpPr>
+          <p:nvPr/>
+        </p:nvCxnSpPr>
+        <p:spPr>
+          <a:xfrm>
+            <a:off x="5135772" y="2842645"/>
+            <a:ext cx="86615" cy="302872"/>
+          </a:xfrm>
+          <a:prstGeom prst="line">
+            <a:avLst/>
+          </a:prstGeom>
+        </p:spPr>
+        <p:style>
+          <a:lnRef idx="1">
+            <a:schemeClr val="accent1"/>
+          </a:lnRef>
+          <a:fillRef idx="0">
+            <a:schemeClr val="accent1"/>
+          </a:fillRef>
+          <a:effectRef idx="0">
+            <a:schemeClr val="accent1"/>
+          </a:effectRef>
+          <a:fontRef idx="minor">
+            <a:schemeClr val="tx1"/>
+          </a:fontRef>
+        </p:style>
+      </p:cxnSp>
+      <p:cxnSp>
+        <p:nvCxnSpPr>
+          <p:cNvPr id="74" name="Connector: Elbow 73">
+            <a:extLst>
+              <a:ext uri="{FF2B5EF4-FFF2-40B4-BE49-F238E27FC236}">
+                <a16:creationId xmlns:a16="http://schemas.microsoft.com/office/drawing/2014/main" id="{BB78DC36-AF07-4E53-98F2-4E36B6E5819F}"/>
+              </a:ext>
+            </a:extLst>
+          </p:cNvPr>
+          <p:cNvCxnSpPr>
+            <a:cxnSpLocks/>
+          </p:cNvCxnSpPr>
+          <p:nvPr/>
+        </p:nvCxnSpPr>
+        <p:spPr>
+          <a:xfrm flipV="1">
+            <a:off x="3201303" y="4004928"/>
+            <a:ext cx="1585618" cy="1418422"/>
+          </a:xfrm>
+          <a:prstGeom prst="bentConnector3">
+            <a:avLst>
+              <a:gd name="adj1" fmla="val 50000"/>
+            </a:avLst>
+          </a:prstGeom>
+          <a:ln w="15875">
+            <a:solidFill>
+              <a:srgbClr val="00B050"/>
+            </a:solidFill>
+            <a:tailEnd type="none"/>
+          </a:ln>
+        </p:spPr>
+        <p:style>
+          <a:lnRef idx="1">
+            <a:schemeClr val="accent1"/>
+          </a:lnRef>
+          <a:fillRef idx="0">
+            <a:schemeClr val="accent1"/>
+          </a:fillRef>
+          <a:effectRef idx="0">
+            <a:schemeClr val="accent1"/>
+          </a:effectRef>
+          <a:fontRef idx="minor">
+            <a:schemeClr val="tx1"/>
+          </a:fontRef>
+        </p:style>
+      </p:cxnSp>
+      <p:sp>
+        <p:nvSpPr>
+          <p:cNvPr id="75" name="TextBox 74">
+            <a:extLst>
+              <a:ext uri="{FF2B5EF4-FFF2-40B4-BE49-F238E27FC236}">
+                <a16:creationId xmlns:a16="http://schemas.microsoft.com/office/drawing/2014/main" id="{57C8D4CC-4FED-4CB0-81AC-5FC60E19927D}"/>
+              </a:ext>
+            </a:extLst>
+          </p:cNvPr>
+          <p:cNvSpPr txBox="1"/>
+          <p:nvPr/>
+        </p:nvSpPr>
+        <p:spPr>
+          <a:xfrm>
+            <a:off x="4331800" y="3960238"/>
+            <a:ext cx="596220" cy="230832"/>
+          </a:xfrm>
+          <a:prstGeom prst="rect">
+            <a:avLst/>
+          </a:prstGeom>
+          <a:noFill/>
+        </p:spPr>
+        <p:txBody>
+          <a:bodyPr wrap="square" rtlCol="0">
+            <a:spAutoFit/>
+          </a:bodyPr>
+          <a:lstStyle/>
+          <a:p>
+            <a:r>
+              <a:rPr lang="en-US" sz="900" dirty="0"/>
+              <a:t>WS </a:t>
+            </a:r>
+            <a:r>
+              <a:rPr lang="en-US" sz="900" u="sng" dirty="0"/>
+              <a:t>35</a:t>
+            </a:r>
+            <a:endParaRPr lang="de-DE" sz="900" u="sng" dirty="0"/>
+          </a:p>
+        </p:txBody>
+      </p:sp>
+      <p:sp>
+        <p:nvSpPr>
+          <p:cNvPr id="82" name="TextBox 81">
+            <a:extLst>
+              <a:ext uri="{FF2B5EF4-FFF2-40B4-BE49-F238E27FC236}">
+                <a16:creationId xmlns:a16="http://schemas.microsoft.com/office/drawing/2014/main" id="{AD1FF8BB-A7DB-4A81-99C7-8C03C5328C8C}"/>
+              </a:ext>
+            </a:extLst>
+          </p:cNvPr>
+          <p:cNvSpPr txBox="1"/>
+          <p:nvPr/>
+        </p:nvSpPr>
+        <p:spPr>
+          <a:xfrm>
+            <a:off x="4328976" y="4366944"/>
+            <a:ext cx="708460" cy="230832"/>
+          </a:xfrm>
+          <a:prstGeom prst="rect">
+            <a:avLst/>
+          </a:prstGeom>
+          <a:noFill/>
+        </p:spPr>
+        <p:txBody>
+          <a:bodyPr wrap="square" rtlCol="0">
+            <a:spAutoFit/>
+          </a:bodyPr>
+          <a:lstStyle/>
+          <a:p>
+            <a:r>
+              <a:rPr lang="en-US" sz="900" dirty="0"/>
+              <a:t>DIN  </a:t>
+            </a:r>
+            <a:r>
+              <a:rPr lang="en-US" sz="900" u="sng" dirty="0"/>
+              <a:t>40</a:t>
+            </a:r>
+            <a:endParaRPr lang="de-DE" sz="900" u="sng" dirty="0"/>
+          </a:p>
+        </p:txBody>
+      </p:sp>
+      <p:cxnSp>
+        <p:nvCxnSpPr>
+          <p:cNvPr id="90" name="Connector: Elbow 89">
+            <a:extLst>
+              <a:ext uri="{FF2B5EF4-FFF2-40B4-BE49-F238E27FC236}">
+                <a16:creationId xmlns:a16="http://schemas.microsoft.com/office/drawing/2014/main" id="{B4F47DD1-9A6D-43AC-9FC4-5318BE0FA647}"/>
+              </a:ext>
+            </a:extLst>
+          </p:cNvPr>
+          <p:cNvCxnSpPr>
+            <a:cxnSpLocks/>
+          </p:cNvCxnSpPr>
+          <p:nvPr/>
+        </p:nvCxnSpPr>
+        <p:spPr>
+          <a:xfrm flipV="1">
+            <a:off x="3446042" y="4402430"/>
+            <a:ext cx="1358413" cy="1339884"/>
+          </a:xfrm>
+          <a:prstGeom prst="bentConnector3">
+            <a:avLst>
+              <a:gd name="adj1" fmla="val 58765"/>
+            </a:avLst>
+          </a:prstGeom>
+          <a:ln w="15875">
+            <a:solidFill>
+              <a:srgbClr val="00B050"/>
+            </a:solidFill>
+            <a:tailEnd type="none"/>
+          </a:ln>
+        </p:spPr>
+        <p:style>
+          <a:lnRef idx="1">
+            <a:schemeClr val="accent1"/>
+          </a:lnRef>
+          <a:fillRef idx="0">
+            <a:schemeClr val="accent1"/>
+          </a:fillRef>
+          <a:effectRef idx="0">
+            <a:schemeClr val="accent1"/>
+          </a:effectRef>
+          <a:fontRef idx="minor">
+            <a:schemeClr val="tx1"/>
+          </a:fontRef>
+        </p:style>
+      </p:cxnSp>
+      <p:sp>
+        <p:nvSpPr>
+          <p:cNvPr id="92" name="TextBox 91">
+            <a:extLst>
+              <a:ext uri="{FF2B5EF4-FFF2-40B4-BE49-F238E27FC236}">
+                <a16:creationId xmlns:a16="http://schemas.microsoft.com/office/drawing/2014/main" id="{38C5D56F-B70B-4B73-B286-AEEB4EC8DB9E}"/>
+              </a:ext>
+            </a:extLst>
+          </p:cNvPr>
+          <p:cNvSpPr txBox="1"/>
+          <p:nvPr/>
+        </p:nvSpPr>
+        <p:spPr>
+          <a:xfrm>
+            <a:off x="4287671" y="3652960"/>
+            <a:ext cx="616129" cy="230832"/>
+          </a:xfrm>
+          <a:prstGeom prst="rect">
+            <a:avLst/>
+          </a:prstGeom>
+          <a:noFill/>
+        </p:spPr>
+        <p:txBody>
+          <a:bodyPr wrap="square" rtlCol="0">
+            <a:spAutoFit/>
+          </a:bodyPr>
+          <a:lstStyle/>
+          <a:p>
+            <a:r>
+              <a:rPr lang="en-US" sz="900" dirty="0"/>
+              <a:t>BCLK </a:t>
+            </a:r>
+            <a:r>
+              <a:rPr lang="en-US" sz="900" u="sng" dirty="0"/>
+              <a:t>12</a:t>
+            </a:r>
+            <a:endParaRPr lang="de-DE" sz="900" u="sng" dirty="0"/>
+          </a:p>
+        </p:txBody>
+      </p:sp>
+      <p:cxnSp>
+        <p:nvCxnSpPr>
+          <p:cNvPr id="94" name="Connector: Elbow 93">
+            <a:extLst>
+              <a:ext uri="{FF2B5EF4-FFF2-40B4-BE49-F238E27FC236}">
+                <a16:creationId xmlns:a16="http://schemas.microsoft.com/office/drawing/2014/main" id="{F6A990DA-2F99-451D-BAF3-85E57DE04240}"/>
+              </a:ext>
+            </a:extLst>
+          </p:cNvPr>
+          <p:cNvCxnSpPr>
+            <a:cxnSpLocks/>
+          </p:cNvCxnSpPr>
+          <p:nvPr/>
+        </p:nvCxnSpPr>
+        <p:spPr>
+          <a:xfrm>
+            <a:off x="3435051" y="2971051"/>
+            <a:ext cx="1347478" cy="851054"/>
+          </a:xfrm>
+          <a:prstGeom prst="bentConnector3">
+            <a:avLst>
+              <a:gd name="adj1" fmla="val 54948"/>
+            </a:avLst>
+          </a:prstGeom>
+          <a:ln w="15875">
+            <a:solidFill>
+              <a:schemeClr val="tx1"/>
+            </a:solidFill>
+            <a:tailEnd type="none"/>
+          </a:ln>
+        </p:spPr>
+        <p:style>
+          <a:lnRef idx="1">
+            <a:schemeClr val="accent1"/>
+          </a:lnRef>
+          <a:fillRef idx="0">
+            <a:schemeClr val="accent1"/>
+          </a:fillRef>
+          <a:effectRef idx="0">
+            <a:schemeClr val="accent1"/>
+          </a:effectRef>
+          <a:fontRef idx="minor">
+            <a:schemeClr val="tx1"/>
+          </a:fontRef>
+        </p:style>
+      </p:cxnSp>
+      <p:sp>
+        <p:nvSpPr>
+          <p:cNvPr id="104" name="Rectangle 103">
+            <a:extLst>
+              <a:ext uri="{FF2B5EF4-FFF2-40B4-BE49-F238E27FC236}">
+                <a16:creationId xmlns:a16="http://schemas.microsoft.com/office/drawing/2014/main" id="{F9D2FC08-2E8B-437A-943F-60E65EFD3CEF}"/>
+              </a:ext>
+            </a:extLst>
+          </p:cNvPr>
+          <p:cNvSpPr/>
+          <p:nvPr/>
+        </p:nvSpPr>
+        <p:spPr>
+          <a:xfrm>
+            <a:off x="4087787" y="276891"/>
+            <a:ext cx="1274619" cy="636349"/>
+          </a:xfrm>
+          <a:prstGeom prst="rect">
+            <a:avLst/>
+          </a:prstGeom>
+        </p:spPr>
+        <p:style>
+          <a:lnRef idx="2">
+            <a:schemeClr val="accent1">
+              <a:shade val="50000"/>
+            </a:schemeClr>
+          </a:lnRef>
+          <a:fillRef idx="1">
+            <a:schemeClr val="accent1"/>
+          </a:fillRef>
+          <a:effectRef idx="0">
+            <a:schemeClr val="accent1"/>
+          </a:effectRef>
+          <a:fontRef idx="minor">
+            <a:schemeClr val="lt1"/>
+          </a:fontRef>
+        </p:style>
+        <p:txBody>
+          <a:bodyPr rtlCol="0" anchor="ctr"/>
+          <a:lstStyle/>
+          <a:p>
+            <a:pPr algn="ctr"/>
+            <a:r>
+              <a:rPr lang="en-US" sz="900" dirty="0">
+                <a:solidFill>
+                  <a:schemeClr val="bg1"/>
+                </a:solidFill>
+              </a:rPr>
+              <a:t>GPS</a:t>
+            </a:r>
+          </a:p>
+          <a:p>
+            <a:pPr algn="ctr"/>
+            <a:r>
+              <a:rPr lang="en-US" sz="900" dirty="0">
+                <a:solidFill>
+                  <a:schemeClr val="bg1"/>
+                </a:solidFill>
+              </a:rPr>
+              <a:t>NEO M-9N</a:t>
+            </a:r>
+          </a:p>
+        </p:txBody>
+      </p:sp>
+      <p:cxnSp>
+        <p:nvCxnSpPr>
+          <p:cNvPr id="105" name="Connector: Elbow 104">
+            <a:extLst>
+              <a:ext uri="{FF2B5EF4-FFF2-40B4-BE49-F238E27FC236}">
+                <a16:creationId xmlns:a16="http://schemas.microsoft.com/office/drawing/2014/main" id="{6A104623-D242-4289-8861-9073B45DDCE9}"/>
+              </a:ext>
+            </a:extLst>
+          </p:cNvPr>
+          <p:cNvCxnSpPr>
+            <a:cxnSpLocks/>
+          </p:cNvCxnSpPr>
+          <p:nvPr/>
+        </p:nvCxnSpPr>
+        <p:spPr>
+          <a:xfrm>
+            <a:off x="2693894" y="837475"/>
+            <a:ext cx="1402794" cy="538106"/>
+          </a:xfrm>
+          <a:prstGeom prst="bentConnector3">
+            <a:avLst>
+              <a:gd name="adj1" fmla="val 1655"/>
+            </a:avLst>
+          </a:prstGeom>
+          <a:ln w="15875">
+            <a:solidFill>
+              <a:srgbClr val="FF0000"/>
+            </a:solidFill>
+            <a:tailEnd type="none"/>
+          </a:ln>
+        </p:spPr>
+        <p:style>
+          <a:lnRef idx="1">
+            <a:schemeClr val="dk1"/>
+          </a:lnRef>
+          <a:fillRef idx="0">
+            <a:schemeClr val="dk1"/>
+          </a:fillRef>
+          <a:effectRef idx="0">
+            <a:schemeClr val="dk1"/>
+          </a:effectRef>
+          <a:fontRef idx="minor">
+            <a:schemeClr val="tx1"/>
+          </a:fontRef>
+        </p:style>
+      </p:cxnSp>
+      <p:cxnSp>
+        <p:nvCxnSpPr>
+          <p:cNvPr id="109" name="Connector: Elbow 108">
+            <a:extLst>
+              <a:ext uri="{FF2B5EF4-FFF2-40B4-BE49-F238E27FC236}">
+                <a16:creationId xmlns:a16="http://schemas.microsoft.com/office/drawing/2014/main" id="{D5B41C69-81E7-4395-A00F-EE15FBACBEE7}"/>
+              </a:ext>
+            </a:extLst>
+          </p:cNvPr>
+          <p:cNvCxnSpPr>
+            <a:cxnSpLocks/>
+          </p:cNvCxnSpPr>
+          <p:nvPr/>
+        </p:nvCxnSpPr>
+        <p:spPr>
+          <a:xfrm rot="5400000">
+            <a:off x="3153707" y="1236194"/>
+            <a:ext cx="1285773" cy="610693"/>
+          </a:xfrm>
+          <a:prstGeom prst="bentConnector3">
+            <a:avLst>
+              <a:gd name="adj1" fmla="val 100967"/>
+            </a:avLst>
+          </a:prstGeom>
+          <a:ln w="15875">
+            <a:solidFill>
+              <a:srgbClr val="FF0000"/>
+            </a:solidFill>
+            <a:tailEnd type="none"/>
+          </a:ln>
+        </p:spPr>
+        <p:style>
+          <a:lnRef idx="1">
+            <a:schemeClr val="dk1"/>
+          </a:lnRef>
+          <a:fillRef idx="0">
+            <a:schemeClr val="dk1"/>
+          </a:fillRef>
+          <a:effectRef idx="0">
+            <a:schemeClr val="dk1"/>
+          </a:effectRef>
+          <a:fontRef idx="minor">
+            <a:schemeClr val="tx1"/>
+          </a:fontRef>
+        </p:style>
+      </p:cxnSp>
+      <p:sp>
+        <p:nvSpPr>
+          <p:cNvPr id="120" name="TextBox 119">
+            <a:extLst>
+              <a:ext uri="{FF2B5EF4-FFF2-40B4-BE49-F238E27FC236}">
+                <a16:creationId xmlns:a16="http://schemas.microsoft.com/office/drawing/2014/main" id="{42F0CFB1-A48F-4E46-81EF-38D6AECA1CFC}"/>
+              </a:ext>
+            </a:extLst>
+          </p:cNvPr>
+          <p:cNvSpPr txBox="1"/>
+          <p:nvPr/>
+        </p:nvSpPr>
+        <p:spPr>
+          <a:xfrm>
+            <a:off x="2636893" y="803861"/>
+            <a:ext cx="415107" cy="369332"/>
+          </a:xfrm>
+          <a:prstGeom prst="rect">
+            <a:avLst/>
+          </a:prstGeom>
+          <a:noFill/>
+        </p:spPr>
+        <p:txBody>
+          <a:bodyPr wrap="square" rtlCol="0">
+            <a:spAutoFit/>
+          </a:bodyPr>
+          <a:lstStyle/>
+          <a:p>
+            <a:pPr algn="ctr"/>
+            <a:r>
+              <a:rPr lang="en-US" sz="900" dirty="0">
+                <a:solidFill>
+                  <a:srgbClr val="FF0000"/>
+                </a:solidFill>
+              </a:rPr>
+              <a:t>5V</a:t>
+            </a:r>
+          </a:p>
+          <a:p>
+            <a:pPr algn="ctr"/>
+            <a:r>
+              <a:rPr lang="en-US" sz="900" u="sng" dirty="0">
+                <a:solidFill>
+                  <a:srgbClr val="FF0000"/>
+                </a:solidFill>
+              </a:rPr>
+              <a:t>4+</a:t>
+            </a:r>
+            <a:endParaRPr lang="de-DE" sz="900" u="sng" dirty="0">
+              <a:solidFill>
+                <a:srgbClr val="FF0000"/>
+              </a:solidFill>
+            </a:endParaRPr>
+          </a:p>
+        </p:txBody>
+      </p:sp>
+      <p:cxnSp>
+        <p:nvCxnSpPr>
+          <p:cNvPr id="121" name="Connector: Elbow 120">
+            <a:extLst>
+              <a:ext uri="{FF2B5EF4-FFF2-40B4-BE49-F238E27FC236}">
+                <a16:creationId xmlns:a16="http://schemas.microsoft.com/office/drawing/2014/main" id="{D4544615-1E3A-42BE-B638-0A74F9E7814B}"/>
+              </a:ext>
+            </a:extLst>
+          </p:cNvPr>
+          <p:cNvCxnSpPr>
+            <a:cxnSpLocks/>
+          </p:cNvCxnSpPr>
+          <p:nvPr/>
+        </p:nvCxnSpPr>
+        <p:spPr>
+          <a:xfrm rot="5400000" flipH="1" flipV="1">
+            <a:off x="3144735" y="1216952"/>
+            <a:ext cx="1438359" cy="857720"/>
+          </a:xfrm>
+          <a:prstGeom prst="bentConnector3">
+            <a:avLst>
+              <a:gd name="adj1" fmla="val 731"/>
+            </a:avLst>
+          </a:prstGeom>
+          <a:ln w="15875">
+            <a:solidFill>
+              <a:schemeClr val="tx1"/>
+            </a:solidFill>
+            <a:tailEnd type="none"/>
+          </a:ln>
+        </p:spPr>
+        <p:style>
+          <a:lnRef idx="1">
+            <a:schemeClr val="accent1"/>
+          </a:lnRef>
+          <a:fillRef idx="0">
+            <a:schemeClr val="accent1"/>
+          </a:fillRef>
+          <a:effectRef idx="0">
+            <a:schemeClr val="accent1"/>
+          </a:effectRef>
+          <a:fontRef idx="minor">
+            <a:schemeClr val="tx1"/>
+          </a:fontRef>
+        </p:style>
+      </p:cxnSp>
+      <p:sp>
+        <p:nvSpPr>
+          <p:cNvPr id="125" name="TextBox 124">
+            <a:extLst>
+              <a:ext uri="{FF2B5EF4-FFF2-40B4-BE49-F238E27FC236}">
+                <a16:creationId xmlns:a16="http://schemas.microsoft.com/office/drawing/2014/main" id="{6A2F161F-ACC4-4434-B479-8F137EBC918F}"/>
+              </a:ext>
+            </a:extLst>
+          </p:cNvPr>
+          <p:cNvSpPr txBox="1"/>
+          <p:nvPr/>
+        </p:nvSpPr>
+        <p:spPr>
+          <a:xfrm>
+            <a:off x="3766057" y="915079"/>
+            <a:ext cx="415107" cy="369332"/>
+          </a:xfrm>
+          <a:prstGeom prst="rect">
+            <a:avLst/>
+          </a:prstGeom>
+          <a:noFill/>
+        </p:spPr>
+        <p:txBody>
+          <a:bodyPr wrap="square" rtlCol="0">
+            <a:spAutoFit/>
+          </a:bodyPr>
+          <a:lstStyle/>
+          <a:p>
+            <a:pPr algn="ctr"/>
+            <a:r>
+              <a:rPr lang="en-US" sz="900" dirty="0">
+                <a:solidFill>
+                  <a:srgbClr val="FF0000"/>
+                </a:solidFill>
+              </a:rPr>
+              <a:t>5V</a:t>
+            </a:r>
+          </a:p>
+          <a:p>
+            <a:pPr algn="ctr"/>
+            <a:r>
+              <a:rPr lang="en-US" sz="900" u="sng" dirty="0">
+                <a:solidFill>
+                  <a:srgbClr val="FF0000"/>
+                </a:solidFill>
+              </a:rPr>
+              <a:t>4+</a:t>
+            </a:r>
+            <a:endParaRPr lang="de-DE" sz="900" u="sng" dirty="0">
+              <a:solidFill>
+                <a:srgbClr val="FF0000"/>
+              </a:solidFill>
+            </a:endParaRPr>
+          </a:p>
+        </p:txBody>
+      </p:sp>
+      <p:sp>
+        <p:nvSpPr>
+          <p:cNvPr id="126" name="TextBox 125">
+            <a:extLst>
+              <a:ext uri="{FF2B5EF4-FFF2-40B4-BE49-F238E27FC236}">
+                <a16:creationId xmlns:a16="http://schemas.microsoft.com/office/drawing/2014/main" id="{5B82141E-F138-4A0D-B254-344D5AC88700}"/>
+              </a:ext>
+            </a:extLst>
+          </p:cNvPr>
+          <p:cNvSpPr txBox="1"/>
+          <p:nvPr/>
+        </p:nvSpPr>
+        <p:spPr>
+          <a:xfrm>
+            <a:off x="4074125" y="915078"/>
+            <a:ext cx="401072" cy="369332"/>
+          </a:xfrm>
+          <a:prstGeom prst="rect">
+            <a:avLst/>
+          </a:prstGeom>
+          <a:noFill/>
+        </p:spPr>
+        <p:txBody>
+          <a:bodyPr wrap="none" rtlCol="0">
+            <a:spAutoFit/>
+          </a:bodyPr>
+          <a:lstStyle/>
+          <a:p>
+            <a:r>
+              <a:rPr lang="en-US" sz="900" dirty="0"/>
+              <a:t>GND</a:t>
+            </a:r>
+          </a:p>
+          <a:p>
+            <a:r>
+              <a:rPr lang="en-US" sz="900" u="sng" dirty="0"/>
+              <a:t>6+</a:t>
+            </a:r>
+            <a:endParaRPr lang="de-DE" sz="900" u="sng" dirty="0"/>
+          </a:p>
+        </p:txBody>
+      </p:sp>
+      <p:cxnSp>
+        <p:nvCxnSpPr>
+          <p:cNvPr id="127" name="Connector: Elbow 126">
+            <a:extLst>
+              <a:ext uri="{FF2B5EF4-FFF2-40B4-BE49-F238E27FC236}">
+                <a16:creationId xmlns:a16="http://schemas.microsoft.com/office/drawing/2014/main" id="{F3A5A9C1-F0A4-4EEB-809F-39EBBE272FE0}"/>
+              </a:ext>
+            </a:extLst>
+          </p:cNvPr>
+          <p:cNvCxnSpPr>
+            <a:cxnSpLocks/>
+          </p:cNvCxnSpPr>
+          <p:nvPr/>
+        </p:nvCxnSpPr>
+        <p:spPr>
+          <a:xfrm rot="10800000">
+            <a:off x="2476317" y="828049"/>
+            <a:ext cx="1813897" cy="764116"/>
+          </a:xfrm>
+          <a:prstGeom prst="bentConnector3">
+            <a:avLst>
+              <a:gd name="adj1" fmla="val 99991"/>
+            </a:avLst>
+          </a:prstGeom>
+          <a:ln w="15875">
+            <a:solidFill>
+              <a:schemeClr val="tx1"/>
+            </a:solidFill>
+            <a:tailEnd type="none"/>
+          </a:ln>
+        </p:spPr>
+        <p:style>
+          <a:lnRef idx="1">
+            <a:schemeClr val="accent1"/>
+          </a:lnRef>
+          <a:fillRef idx="0">
+            <a:schemeClr val="accent1"/>
+          </a:fillRef>
+          <a:effectRef idx="0">
+            <a:schemeClr val="accent1"/>
+          </a:effectRef>
+          <a:fontRef idx="minor">
+            <a:schemeClr val="tx1"/>
+          </a:fontRef>
+        </p:style>
+      </p:cxnSp>
+      <p:sp>
+        <p:nvSpPr>
+          <p:cNvPr id="133" name="TextBox 132">
+            <a:extLst>
+              <a:ext uri="{FF2B5EF4-FFF2-40B4-BE49-F238E27FC236}">
+                <a16:creationId xmlns:a16="http://schemas.microsoft.com/office/drawing/2014/main" id="{DF2B4E4B-C26A-448A-A0BD-CAEDB355AD96}"/>
+              </a:ext>
+            </a:extLst>
+          </p:cNvPr>
+          <p:cNvSpPr txBox="1"/>
+          <p:nvPr/>
+        </p:nvSpPr>
+        <p:spPr>
+          <a:xfrm>
+            <a:off x="2164142" y="791543"/>
+            <a:ext cx="401072" cy="369332"/>
+          </a:xfrm>
+          <a:prstGeom prst="rect">
+            <a:avLst/>
+          </a:prstGeom>
+          <a:noFill/>
+        </p:spPr>
+        <p:txBody>
+          <a:bodyPr wrap="none" rtlCol="0">
+            <a:spAutoFit/>
+          </a:bodyPr>
+          <a:lstStyle/>
+          <a:p>
+            <a:r>
+              <a:rPr lang="en-US" sz="900" dirty="0"/>
+              <a:t>GND</a:t>
+            </a:r>
+          </a:p>
+          <a:p>
+            <a:pPr algn="r"/>
+            <a:r>
+              <a:rPr lang="en-US" sz="900" u="sng" dirty="0"/>
+              <a:t>6+</a:t>
+            </a:r>
+            <a:endParaRPr lang="de-DE" sz="900" u="sng" dirty="0"/>
+          </a:p>
+        </p:txBody>
+      </p:sp>
+      <p:sp>
+        <p:nvSpPr>
+          <p:cNvPr id="138" name="TextBox 137">
+            <a:extLst>
+              <a:ext uri="{FF2B5EF4-FFF2-40B4-BE49-F238E27FC236}">
+                <a16:creationId xmlns:a16="http://schemas.microsoft.com/office/drawing/2014/main" id="{20A5C79C-CF65-40F4-9F8D-EE440C3CF240}"/>
+              </a:ext>
+            </a:extLst>
+          </p:cNvPr>
+          <p:cNvSpPr txBox="1"/>
+          <p:nvPr/>
+        </p:nvSpPr>
+        <p:spPr>
+          <a:xfrm>
+            <a:off x="6494525" y="3716434"/>
+            <a:ext cx="666059" cy="369332"/>
+          </a:xfrm>
+          <a:prstGeom prst="rect">
+            <a:avLst/>
+          </a:prstGeom>
+          <a:noFill/>
+        </p:spPr>
+        <p:txBody>
+          <a:bodyPr wrap="square" rtlCol="0">
+            <a:spAutoFit/>
+          </a:bodyPr>
+          <a:lstStyle/>
+          <a:p>
+            <a:pPr algn="ctr"/>
+            <a:r>
+              <a:rPr lang="en-US" sz="900" dirty="0"/>
+              <a:t>UART TX</a:t>
+            </a:r>
+          </a:p>
+          <a:p>
+            <a:pPr algn="ctr"/>
+            <a:r>
+              <a:rPr lang="en-US" sz="900" u="sng" dirty="0"/>
+              <a:t>8</a:t>
+            </a:r>
+            <a:endParaRPr lang="de-DE" sz="900" u="sng" dirty="0"/>
+          </a:p>
+        </p:txBody>
+      </p:sp>
+      <p:cxnSp>
+        <p:nvCxnSpPr>
+          <p:cNvPr id="157" name="Connector: Elbow 156">
+            <a:extLst>
+              <a:ext uri="{FF2B5EF4-FFF2-40B4-BE49-F238E27FC236}">
+                <a16:creationId xmlns:a16="http://schemas.microsoft.com/office/drawing/2014/main" id="{667ACD64-FC91-408E-A805-5C116BF5A9DF}"/>
+              </a:ext>
+            </a:extLst>
+          </p:cNvPr>
+          <p:cNvCxnSpPr>
+            <a:cxnSpLocks/>
+          </p:cNvCxnSpPr>
+          <p:nvPr/>
+        </p:nvCxnSpPr>
+        <p:spPr>
+          <a:xfrm rot="10800000">
+            <a:off x="3572108" y="2661471"/>
+            <a:ext cx="3422671" cy="1250377"/>
+          </a:xfrm>
+          <a:prstGeom prst="bentConnector3">
+            <a:avLst>
+              <a:gd name="adj1" fmla="val 37199"/>
+            </a:avLst>
+          </a:prstGeom>
+          <a:ln w="15875">
+            <a:solidFill>
+              <a:schemeClr val="accent6">
+                <a:lumMod val="75000"/>
+              </a:schemeClr>
+            </a:solidFill>
+            <a:tailEnd type="none"/>
+          </a:ln>
+        </p:spPr>
+        <p:style>
+          <a:lnRef idx="1">
+            <a:schemeClr val="dk1"/>
+          </a:lnRef>
+          <a:fillRef idx="0">
+            <a:schemeClr val="dk1"/>
+          </a:fillRef>
+          <a:effectRef idx="0">
+            <a:schemeClr val="dk1"/>
+          </a:effectRef>
+          <a:fontRef idx="minor">
+            <a:schemeClr val="tx1"/>
+          </a:fontRef>
+        </p:style>
+      </p:cxnSp>
+      <p:cxnSp>
+        <p:nvCxnSpPr>
+          <p:cNvPr id="161" name="Connector: Elbow 160">
+            <a:extLst>
+              <a:ext uri="{FF2B5EF4-FFF2-40B4-BE49-F238E27FC236}">
+                <a16:creationId xmlns:a16="http://schemas.microsoft.com/office/drawing/2014/main" id="{459E7237-866F-40D3-BECF-CC0F71C56C85}"/>
+              </a:ext>
+            </a:extLst>
+          </p:cNvPr>
+          <p:cNvCxnSpPr>
+            <a:cxnSpLocks/>
+          </p:cNvCxnSpPr>
+          <p:nvPr/>
+        </p:nvCxnSpPr>
+        <p:spPr>
+          <a:xfrm rot="5400000">
+            <a:off x="3283785" y="1363391"/>
+            <a:ext cx="1891199" cy="1009755"/>
+          </a:xfrm>
+          <a:prstGeom prst="bentConnector3">
+            <a:avLst>
+              <a:gd name="adj1" fmla="val 98350"/>
+            </a:avLst>
+          </a:prstGeom>
+          <a:ln w="15875">
+            <a:solidFill>
+              <a:schemeClr val="accent6">
+                <a:lumMod val="75000"/>
+              </a:schemeClr>
+            </a:solidFill>
+            <a:tailEnd type="none"/>
+          </a:ln>
+        </p:spPr>
+        <p:style>
+          <a:lnRef idx="1">
+            <a:schemeClr val="dk1"/>
+          </a:lnRef>
+          <a:fillRef idx="0">
+            <a:schemeClr val="dk1"/>
+          </a:fillRef>
+          <a:effectRef idx="0">
+            <a:schemeClr val="dk1"/>
+          </a:effectRef>
+          <a:fontRef idx="minor">
+            <a:schemeClr val="tx1"/>
+          </a:fontRef>
+        </p:style>
+      </p:cxnSp>
+      <p:sp>
+        <p:nvSpPr>
+          <p:cNvPr id="165" name="TextBox 164">
+            <a:extLst>
+              <a:ext uri="{FF2B5EF4-FFF2-40B4-BE49-F238E27FC236}">
+                <a16:creationId xmlns:a16="http://schemas.microsoft.com/office/drawing/2014/main" id="{7135CB95-4049-4ECC-8CC5-DD851C4B6CAE}"/>
+              </a:ext>
+            </a:extLst>
+          </p:cNvPr>
+          <p:cNvSpPr txBox="1"/>
+          <p:nvPr/>
+        </p:nvSpPr>
+        <p:spPr>
+          <a:xfrm>
+            <a:off x="4645549" y="885054"/>
+            <a:ext cx="582211" cy="369332"/>
+          </a:xfrm>
+          <a:prstGeom prst="rect">
+            <a:avLst/>
+          </a:prstGeom>
+          <a:noFill/>
+        </p:spPr>
+        <p:txBody>
+          <a:bodyPr wrap="none" rtlCol="0">
+            <a:spAutoFit/>
+          </a:bodyPr>
+          <a:lstStyle/>
+          <a:p>
+            <a:pPr algn="ctr"/>
+            <a:r>
+              <a:rPr lang="en-US" sz="900" dirty="0"/>
+              <a:t>UART Rx</a:t>
+            </a:r>
+          </a:p>
+          <a:p>
+            <a:pPr algn="ctr"/>
+            <a:r>
+              <a:rPr lang="en-US" sz="900" u="sng" dirty="0"/>
+              <a:t>10</a:t>
+            </a:r>
+          </a:p>
+        </p:txBody>
+      </p:sp>
+      <p:sp>
+        <p:nvSpPr>
+          <p:cNvPr id="166" name="Rectangle 165">
+            <a:extLst>
+              <a:ext uri="{FF2B5EF4-FFF2-40B4-BE49-F238E27FC236}">
+                <a16:creationId xmlns:a16="http://schemas.microsoft.com/office/drawing/2014/main" id="{216A041D-ED46-468D-A220-FB92B263241D}"/>
+              </a:ext>
+            </a:extLst>
+          </p:cNvPr>
+          <p:cNvSpPr/>
+          <p:nvPr/>
+        </p:nvSpPr>
+        <p:spPr>
+          <a:xfrm>
+            <a:off x="577265" y="3239090"/>
+            <a:ext cx="778833" cy="1416730"/>
+          </a:xfrm>
+          <a:prstGeom prst="rect">
+            <a:avLst/>
+          </a:prstGeom>
+        </p:spPr>
+        <p:style>
+          <a:lnRef idx="2">
+            <a:schemeClr val="accent1">
+              <a:shade val="50000"/>
+            </a:schemeClr>
+          </a:lnRef>
+          <a:fillRef idx="1">
+            <a:schemeClr val="accent1"/>
+          </a:fillRef>
+          <a:effectRef idx="0">
+            <a:schemeClr val="accent1"/>
+          </a:effectRef>
+          <a:fontRef idx="minor">
+            <a:schemeClr val="lt1"/>
+          </a:fontRef>
+        </p:style>
+        <p:txBody>
+          <a:bodyPr rtlCol="0" anchor="ctr"/>
+          <a:lstStyle/>
+          <a:p>
+            <a:pPr algn="ctr"/>
+            <a:r>
+              <a:rPr lang="en-US" sz="900" dirty="0">
+                <a:solidFill>
+                  <a:schemeClr val="bg1"/>
+                </a:solidFill>
+              </a:rPr>
+              <a:t>IMU</a:t>
+            </a:r>
+          </a:p>
+          <a:p>
+            <a:pPr algn="ctr"/>
+            <a:r>
+              <a:rPr lang="de-DE" sz="900" dirty="0">
+                <a:solidFill>
+                  <a:schemeClr val="bg1"/>
+                </a:solidFill>
+                <a:latin typeface="-apple-system"/>
+              </a:rPr>
+              <a:t>BNO055</a:t>
+            </a:r>
+            <a:endParaRPr lang="de-DE" sz="900" dirty="0">
+              <a:solidFill>
+                <a:schemeClr val="bg1"/>
+              </a:solidFill>
+            </a:endParaRPr>
+          </a:p>
+        </p:txBody>
+      </p:sp>
+      <p:cxnSp>
+        <p:nvCxnSpPr>
+          <p:cNvPr id="167" name="Connector: Elbow 166">
+            <a:extLst>
+              <a:ext uri="{FF2B5EF4-FFF2-40B4-BE49-F238E27FC236}">
+                <a16:creationId xmlns:a16="http://schemas.microsoft.com/office/drawing/2014/main" id="{CA195389-DE7B-4E97-ACAD-D9C0B299E5C4}"/>
+              </a:ext>
+            </a:extLst>
+          </p:cNvPr>
+          <p:cNvCxnSpPr>
+            <a:cxnSpLocks/>
+          </p:cNvCxnSpPr>
+          <p:nvPr/>
+        </p:nvCxnSpPr>
+        <p:spPr>
+          <a:xfrm flipV="1">
+            <a:off x="1373085" y="3348810"/>
+            <a:ext cx="1952672" cy="439438"/>
+          </a:xfrm>
+          <a:prstGeom prst="bentConnector3">
+            <a:avLst>
+              <a:gd name="adj1" fmla="val 26196"/>
+            </a:avLst>
+          </a:prstGeom>
+          <a:ln w="15875">
+            <a:solidFill>
+              <a:srgbClr val="00B050"/>
+            </a:solidFill>
+            <a:tailEnd type="none"/>
+          </a:ln>
+        </p:spPr>
+        <p:style>
+          <a:lnRef idx="1">
+            <a:schemeClr val="accent1"/>
+          </a:lnRef>
+          <a:fillRef idx="0">
+            <a:schemeClr val="accent1"/>
+          </a:fillRef>
+          <a:effectRef idx="0">
+            <a:schemeClr val="accent1"/>
+          </a:effectRef>
+          <a:fontRef idx="minor">
+            <a:schemeClr val="tx1"/>
+          </a:fontRef>
+        </p:style>
+      </p:cxnSp>
+      <p:cxnSp>
+        <p:nvCxnSpPr>
+          <p:cNvPr id="170" name="Connector: Elbow 169">
+            <a:extLst>
+              <a:ext uri="{FF2B5EF4-FFF2-40B4-BE49-F238E27FC236}">
+                <a16:creationId xmlns:a16="http://schemas.microsoft.com/office/drawing/2014/main" id="{176B740E-6D71-48DD-9311-D831C949FCB1}"/>
+              </a:ext>
+            </a:extLst>
+          </p:cNvPr>
+          <p:cNvCxnSpPr>
+            <a:cxnSpLocks/>
+          </p:cNvCxnSpPr>
+          <p:nvPr/>
+        </p:nvCxnSpPr>
+        <p:spPr>
+          <a:xfrm flipV="1">
+            <a:off x="1363382" y="3570473"/>
+            <a:ext cx="1975949" cy="587107"/>
+          </a:xfrm>
+          <a:prstGeom prst="bentConnector3">
+            <a:avLst>
+              <a:gd name="adj1" fmla="val 36117"/>
+            </a:avLst>
+          </a:prstGeom>
+          <a:ln w="15875">
+            <a:solidFill>
+              <a:srgbClr val="00B050"/>
+            </a:solidFill>
+            <a:tailEnd type="none"/>
+          </a:ln>
+        </p:spPr>
+        <p:style>
+          <a:lnRef idx="1">
+            <a:schemeClr val="accent1"/>
+          </a:lnRef>
+          <a:fillRef idx="0">
+            <a:schemeClr val="accent1"/>
+          </a:fillRef>
+          <a:effectRef idx="0">
+            <a:schemeClr val="accent1"/>
+          </a:effectRef>
+          <a:fontRef idx="minor">
+            <a:schemeClr val="tx1"/>
+          </a:fontRef>
+        </p:style>
+      </p:cxnSp>
+      <p:sp>
+        <p:nvSpPr>
+          <p:cNvPr id="174" name="TextBox 173">
+            <a:extLst>
+              <a:ext uri="{FF2B5EF4-FFF2-40B4-BE49-F238E27FC236}">
+                <a16:creationId xmlns:a16="http://schemas.microsoft.com/office/drawing/2014/main" id="{4ED8893E-835E-4D7B-B7DF-97A6812E74B5}"/>
+              </a:ext>
+            </a:extLst>
+          </p:cNvPr>
+          <p:cNvSpPr txBox="1"/>
+          <p:nvPr/>
+        </p:nvSpPr>
+        <p:spPr>
+          <a:xfrm>
+            <a:off x="1281763" y="3620858"/>
+            <a:ext cx="375424" cy="369332"/>
+          </a:xfrm>
+          <a:prstGeom prst="rect">
+            <a:avLst/>
+          </a:prstGeom>
+          <a:noFill/>
+        </p:spPr>
+        <p:txBody>
+          <a:bodyPr wrap="none" rtlCol="0">
+            <a:spAutoFit/>
+          </a:bodyPr>
+          <a:lstStyle/>
+          <a:p>
+            <a:r>
+              <a:rPr lang="en-US" sz="900" dirty="0"/>
+              <a:t>SDA</a:t>
+            </a:r>
+          </a:p>
+          <a:p>
+            <a:r>
+              <a:rPr lang="en-US" sz="900" u="sng" dirty="0"/>
+              <a:t>16</a:t>
+            </a:r>
+            <a:endParaRPr lang="de-DE" sz="900" u="sng" dirty="0"/>
+          </a:p>
+        </p:txBody>
+      </p:sp>
+      <p:sp>
+        <p:nvSpPr>
+          <p:cNvPr id="175" name="TextBox 174">
+            <a:extLst>
+              <a:ext uri="{FF2B5EF4-FFF2-40B4-BE49-F238E27FC236}">
+                <a16:creationId xmlns:a16="http://schemas.microsoft.com/office/drawing/2014/main" id="{EF789F76-B09B-441C-A12A-2828D877CDB7}"/>
+              </a:ext>
+            </a:extLst>
+          </p:cNvPr>
+          <p:cNvSpPr txBox="1"/>
+          <p:nvPr/>
+        </p:nvSpPr>
+        <p:spPr>
+          <a:xfrm>
+            <a:off x="1282682" y="3921893"/>
+            <a:ext cx="346570" cy="369332"/>
+          </a:xfrm>
+          <a:prstGeom prst="rect">
+            <a:avLst/>
+          </a:prstGeom>
+          <a:noFill/>
+        </p:spPr>
+        <p:txBody>
+          <a:bodyPr wrap="none" rtlCol="0">
+            <a:spAutoFit/>
+          </a:bodyPr>
+          <a:lstStyle/>
+          <a:p>
+            <a:r>
+              <a:rPr lang="en-US" sz="900" dirty="0"/>
+              <a:t>SCL</a:t>
+            </a:r>
+          </a:p>
+          <a:p>
+            <a:r>
+              <a:rPr lang="en-US" sz="900" u="sng" dirty="0"/>
+              <a:t>18</a:t>
+            </a:r>
+            <a:endParaRPr lang="de-DE" sz="900" u="sng" dirty="0"/>
+          </a:p>
+        </p:txBody>
+      </p:sp>
+      <p:cxnSp>
+        <p:nvCxnSpPr>
+          <p:cNvPr id="178" name="Connector: Elbow 177">
+            <a:extLst>
+              <a:ext uri="{FF2B5EF4-FFF2-40B4-BE49-F238E27FC236}">
+                <a16:creationId xmlns:a16="http://schemas.microsoft.com/office/drawing/2014/main" id="{CB90CB17-141F-48CB-AA3C-2481073D6C76}"/>
+              </a:ext>
+            </a:extLst>
+          </p:cNvPr>
+          <p:cNvCxnSpPr>
+            <a:cxnSpLocks/>
+          </p:cNvCxnSpPr>
+          <p:nvPr/>
+        </p:nvCxnSpPr>
+        <p:spPr>
+          <a:xfrm flipV="1">
+            <a:off x="1363382" y="3649854"/>
+            <a:ext cx="1735621" cy="836633"/>
+          </a:xfrm>
+          <a:prstGeom prst="bentConnector3">
+            <a:avLst>
+              <a:gd name="adj1" fmla="val 50000"/>
+            </a:avLst>
+          </a:prstGeom>
+          <a:ln>
+            <a:tailEnd type="none"/>
+          </a:ln>
+        </p:spPr>
+        <p:style>
+          <a:lnRef idx="3">
+            <a:schemeClr val="accent2"/>
+          </a:lnRef>
+          <a:fillRef idx="0">
+            <a:schemeClr val="accent2"/>
+          </a:fillRef>
+          <a:effectRef idx="2">
+            <a:schemeClr val="accent2"/>
+          </a:effectRef>
+          <a:fontRef idx="minor">
+            <a:schemeClr val="tx1"/>
+          </a:fontRef>
+        </p:style>
+      </p:cxnSp>
+      <p:sp>
+        <p:nvSpPr>
+          <p:cNvPr id="182" name="TextBox 181">
+            <a:extLst>
+              <a:ext uri="{FF2B5EF4-FFF2-40B4-BE49-F238E27FC236}">
+                <a16:creationId xmlns:a16="http://schemas.microsoft.com/office/drawing/2014/main" id="{9B8CEA26-3B30-4AF1-B1AA-EA4C38315434}"/>
+              </a:ext>
+            </a:extLst>
+          </p:cNvPr>
+          <p:cNvSpPr txBox="1"/>
+          <p:nvPr/>
+        </p:nvSpPr>
+        <p:spPr>
+          <a:xfrm>
+            <a:off x="1284177" y="4305342"/>
+            <a:ext cx="365806" cy="369332"/>
+          </a:xfrm>
+          <a:prstGeom prst="rect">
+            <a:avLst/>
+          </a:prstGeom>
+          <a:noFill/>
+        </p:spPr>
+        <p:txBody>
+          <a:bodyPr wrap="none" rtlCol="0">
+            <a:spAutoFit/>
+          </a:bodyPr>
+          <a:lstStyle/>
+          <a:p>
+            <a:r>
+              <a:rPr lang="en-US" sz="900" dirty="0">
+                <a:solidFill>
+                  <a:schemeClr val="accent2">
+                    <a:lumMod val="75000"/>
+                  </a:schemeClr>
+                </a:solidFill>
+              </a:rPr>
+              <a:t>3V3</a:t>
+            </a:r>
+          </a:p>
+          <a:p>
+            <a:r>
+              <a:rPr lang="en-US" sz="900" u="sng" dirty="0">
+                <a:solidFill>
+                  <a:schemeClr val="accent2">
+                    <a:lumMod val="75000"/>
+                  </a:schemeClr>
+                </a:solidFill>
+              </a:rPr>
+              <a:t>17</a:t>
+            </a:r>
+            <a:endParaRPr lang="de-DE" sz="900" u="sng" dirty="0">
+              <a:solidFill>
+                <a:schemeClr val="accent2">
+                  <a:lumMod val="75000"/>
+                </a:schemeClr>
+              </a:solidFill>
+            </a:endParaRPr>
+          </a:p>
+        </p:txBody>
+      </p:sp>
+      <p:cxnSp>
+        <p:nvCxnSpPr>
+          <p:cNvPr id="185" name="Connector: Elbow 184">
+            <a:extLst>
+              <a:ext uri="{FF2B5EF4-FFF2-40B4-BE49-F238E27FC236}">
+                <a16:creationId xmlns:a16="http://schemas.microsoft.com/office/drawing/2014/main" id="{3281DC82-D7DA-451F-AAA5-5521D053BC17}"/>
+              </a:ext>
+            </a:extLst>
+          </p:cNvPr>
+          <p:cNvCxnSpPr>
+            <a:cxnSpLocks/>
+          </p:cNvCxnSpPr>
+          <p:nvPr/>
+        </p:nvCxnSpPr>
+        <p:spPr>
+          <a:xfrm rot="10800000" flipV="1">
+            <a:off x="1350358" y="3239090"/>
+            <a:ext cx="1943143" cy="284892"/>
+          </a:xfrm>
+          <a:prstGeom prst="bentConnector3">
+            <a:avLst>
+              <a:gd name="adj1" fmla="val 79411"/>
+            </a:avLst>
+          </a:prstGeom>
+          <a:ln w="15875">
+            <a:solidFill>
+              <a:schemeClr val="tx1"/>
+            </a:solidFill>
+            <a:tailEnd type="none"/>
+          </a:ln>
+        </p:spPr>
+        <p:style>
+          <a:lnRef idx="1">
+            <a:schemeClr val="accent1"/>
+          </a:lnRef>
+          <a:fillRef idx="0">
+            <a:schemeClr val="accent1"/>
+          </a:fillRef>
+          <a:effectRef idx="0">
+            <a:schemeClr val="accent1"/>
+          </a:effectRef>
+          <a:fontRef idx="minor">
+            <a:schemeClr val="tx1"/>
+          </a:fontRef>
+        </p:style>
+      </p:cxnSp>
+      <p:sp>
+        <p:nvSpPr>
+          <p:cNvPr id="188" name="TextBox 187">
+            <a:extLst>
+              <a:ext uri="{FF2B5EF4-FFF2-40B4-BE49-F238E27FC236}">
+                <a16:creationId xmlns:a16="http://schemas.microsoft.com/office/drawing/2014/main" id="{FC3764FB-FBF0-437E-A16F-5C1B133F2E9F}"/>
+              </a:ext>
+            </a:extLst>
+          </p:cNvPr>
+          <p:cNvSpPr txBox="1"/>
+          <p:nvPr/>
+        </p:nvSpPr>
+        <p:spPr>
+          <a:xfrm>
+            <a:off x="1288618" y="3327852"/>
+            <a:ext cx="401072" cy="369332"/>
+          </a:xfrm>
+          <a:prstGeom prst="rect">
+            <a:avLst/>
+          </a:prstGeom>
+          <a:noFill/>
+        </p:spPr>
+        <p:txBody>
+          <a:bodyPr wrap="none" rtlCol="0">
+            <a:spAutoFit/>
+          </a:bodyPr>
+          <a:lstStyle/>
+          <a:p>
+            <a:r>
+              <a:rPr lang="en-US" sz="900" dirty="0"/>
+              <a:t>GND</a:t>
+            </a:r>
+          </a:p>
+          <a:p>
+            <a:r>
+              <a:rPr lang="en-US" sz="900" u="sng" dirty="0"/>
+              <a:t>14</a:t>
+            </a:r>
+            <a:endParaRPr lang="de-DE" sz="900" u="sng" dirty="0"/>
+          </a:p>
+        </p:txBody>
+      </p:sp>
+      <p:pic>
+        <p:nvPicPr>
+          <p:cNvPr id="1074" name="Picture 1073" descr="A picture containing icon&#10;&#10;Description automatically generated">
+            <a:extLst>
+              <a:ext uri="{FF2B5EF4-FFF2-40B4-BE49-F238E27FC236}">
+                <a16:creationId xmlns:a16="http://schemas.microsoft.com/office/drawing/2014/main" id="{F2C4C487-C790-452C-8BA7-2553119984E3}"/>
+              </a:ext>
+            </a:extLst>
+          </p:cNvPr>
+          <p:cNvPicPr>
+            <a:picLocks noChangeAspect="1"/>
+          </p:cNvPicPr>
+          <p:nvPr/>
+        </p:nvPicPr>
+        <p:blipFill>
+          <a:blip r:embed="rId3"/>
+          <a:stretch>
+            <a:fillRect/>
+          </a:stretch>
+        </p:blipFill>
+        <p:spPr>
+          <a:xfrm rot="16200000">
+            <a:off x="483811" y="2445619"/>
+            <a:ext cx="851631" cy="325238"/>
+          </a:xfrm>
+          <a:prstGeom prst="rect">
+            <a:avLst/>
+          </a:prstGeom>
+        </p:spPr>
+      </p:pic>
+      <p:cxnSp>
+        <p:nvCxnSpPr>
+          <p:cNvPr id="214" name="Connector: Elbow 213">
+            <a:extLst>
+              <a:ext uri="{FF2B5EF4-FFF2-40B4-BE49-F238E27FC236}">
+                <a16:creationId xmlns:a16="http://schemas.microsoft.com/office/drawing/2014/main" id="{0DFDFC19-1048-4645-A829-733D64588F19}"/>
+              </a:ext>
+            </a:extLst>
+          </p:cNvPr>
+          <p:cNvCxnSpPr>
+            <a:cxnSpLocks/>
+          </p:cNvCxnSpPr>
+          <p:nvPr/>
+        </p:nvCxnSpPr>
+        <p:spPr>
+          <a:xfrm rot="10800000">
+            <a:off x="966682" y="2287732"/>
+            <a:ext cx="2166867" cy="477656"/>
+          </a:xfrm>
+          <a:prstGeom prst="bentConnector3">
+            <a:avLst>
+              <a:gd name="adj1" fmla="val 86573"/>
+            </a:avLst>
+          </a:prstGeom>
+          <a:ln w="15875">
+            <a:solidFill>
+              <a:schemeClr val="tx1"/>
+            </a:solidFill>
+            <a:tailEnd type="none"/>
+          </a:ln>
+        </p:spPr>
+        <p:style>
+          <a:lnRef idx="1">
+            <a:schemeClr val="accent1"/>
+          </a:lnRef>
+          <a:fillRef idx="0">
+            <a:schemeClr val="accent1"/>
+          </a:fillRef>
+          <a:effectRef idx="0">
+            <a:schemeClr val="accent1"/>
+          </a:effectRef>
+          <a:fontRef idx="minor">
+            <a:schemeClr val="tx1"/>
+          </a:fontRef>
+        </p:style>
+      </p:cxnSp>
+      <p:cxnSp>
+        <p:nvCxnSpPr>
+          <p:cNvPr id="218" name="Connector: Elbow 217">
+            <a:extLst>
+              <a:ext uri="{FF2B5EF4-FFF2-40B4-BE49-F238E27FC236}">
+                <a16:creationId xmlns:a16="http://schemas.microsoft.com/office/drawing/2014/main" id="{490C330C-08CF-4EA0-B2F5-B4B37367B460}"/>
+              </a:ext>
+            </a:extLst>
+          </p:cNvPr>
+          <p:cNvCxnSpPr>
+            <a:cxnSpLocks/>
+          </p:cNvCxnSpPr>
+          <p:nvPr/>
+        </p:nvCxnSpPr>
+        <p:spPr>
+          <a:xfrm>
+            <a:off x="983554" y="2953362"/>
+            <a:ext cx="2120911" cy="178768"/>
+          </a:xfrm>
+          <a:prstGeom prst="bentConnector3">
+            <a:avLst>
+              <a:gd name="adj1" fmla="val -299"/>
+            </a:avLst>
+          </a:prstGeom>
+          <a:ln w="15875">
+            <a:solidFill>
+              <a:srgbClr val="00B050"/>
+            </a:solidFill>
+            <a:tailEnd type="none"/>
+          </a:ln>
+        </p:spPr>
+        <p:style>
+          <a:lnRef idx="1">
+            <a:schemeClr val="accent1"/>
+          </a:lnRef>
+          <a:fillRef idx="0">
+            <a:schemeClr val="accent1"/>
+          </a:fillRef>
+          <a:effectRef idx="0">
+            <a:schemeClr val="accent1"/>
+          </a:effectRef>
+          <a:fontRef idx="minor">
+            <a:schemeClr val="tx1"/>
+          </a:fontRef>
+        </p:style>
+      </p:cxnSp>
+      <p:sp>
+        <p:nvSpPr>
+          <p:cNvPr id="227" name="TextBox 226">
+            <a:extLst>
+              <a:ext uri="{FF2B5EF4-FFF2-40B4-BE49-F238E27FC236}">
+                <a16:creationId xmlns:a16="http://schemas.microsoft.com/office/drawing/2014/main" id="{90C27DAD-72B2-4776-8505-39F2D40E79FF}"/>
+              </a:ext>
+            </a:extLst>
+          </p:cNvPr>
+          <p:cNvSpPr txBox="1"/>
+          <p:nvPr/>
+        </p:nvSpPr>
+        <p:spPr>
+          <a:xfrm>
+            <a:off x="1106132" y="2906455"/>
+            <a:ext cx="300082" cy="230832"/>
+          </a:xfrm>
+          <a:prstGeom prst="rect">
+            <a:avLst/>
+          </a:prstGeom>
+          <a:noFill/>
+        </p:spPr>
+        <p:txBody>
+          <a:bodyPr wrap="none" rtlCol="0">
+            <a:spAutoFit/>
+          </a:bodyPr>
+          <a:lstStyle/>
+          <a:p>
+            <a:pPr algn="ctr"/>
+            <a:r>
+              <a:rPr lang="en-US" sz="900" u="sng" dirty="0"/>
+              <a:t>13</a:t>
+            </a:r>
+            <a:endParaRPr lang="de-DE" sz="900" u="sng" dirty="0"/>
+          </a:p>
+        </p:txBody>
+      </p:sp>
+      <p:sp>
+        <p:nvSpPr>
+          <p:cNvPr id="228" name="TextBox 227">
+            <a:extLst>
+              <a:ext uri="{FF2B5EF4-FFF2-40B4-BE49-F238E27FC236}">
+                <a16:creationId xmlns:a16="http://schemas.microsoft.com/office/drawing/2014/main" id="{C9AEE4B5-7DF9-4876-B115-AE9918E91A2D}"/>
+              </a:ext>
+            </a:extLst>
+          </p:cNvPr>
+          <p:cNvSpPr txBox="1"/>
+          <p:nvPr/>
+        </p:nvSpPr>
+        <p:spPr>
+          <a:xfrm>
+            <a:off x="914086" y="2085469"/>
+            <a:ext cx="401072" cy="369332"/>
+          </a:xfrm>
+          <a:prstGeom prst="rect">
+            <a:avLst/>
+          </a:prstGeom>
+          <a:noFill/>
+        </p:spPr>
+        <p:txBody>
+          <a:bodyPr wrap="none" rtlCol="0">
+            <a:spAutoFit/>
+          </a:bodyPr>
+          <a:lstStyle/>
+          <a:p>
+            <a:pPr algn="r"/>
+            <a:r>
+              <a:rPr lang="en-US" sz="900" dirty="0"/>
+              <a:t>GND</a:t>
+            </a:r>
+          </a:p>
+          <a:p>
+            <a:pPr algn="r"/>
+            <a:r>
+              <a:rPr lang="en-US" sz="900" u="sng" dirty="0"/>
+              <a:t>9</a:t>
+            </a:r>
+            <a:endParaRPr lang="de-DE" sz="900" u="sng" dirty="0"/>
+          </a:p>
+        </p:txBody>
+      </p:sp>
+      <p:sp>
+        <p:nvSpPr>
+          <p:cNvPr id="230" name="Rectangle 229">
+            <a:extLst>
+              <a:ext uri="{FF2B5EF4-FFF2-40B4-BE49-F238E27FC236}">
+                <a16:creationId xmlns:a16="http://schemas.microsoft.com/office/drawing/2014/main" id="{ACAEFDB7-79D8-469E-9A85-39410147EACA}"/>
+              </a:ext>
+            </a:extLst>
+          </p:cNvPr>
+          <p:cNvSpPr/>
+          <p:nvPr/>
+        </p:nvSpPr>
+        <p:spPr>
+          <a:xfrm>
+            <a:off x="508739" y="4948826"/>
+            <a:ext cx="753259" cy="1416730"/>
+          </a:xfrm>
+          <a:prstGeom prst="rect">
+            <a:avLst/>
+          </a:prstGeom>
+        </p:spPr>
+        <p:style>
+          <a:lnRef idx="2">
+            <a:schemeClr val="accent1">
+              <a:shade val="50000"/>
+            </a:schemeClr>
+          </a:lnRef>
+          <a:fillRef idx="1">
+            <a:schemeClr val="accent1"/>
+          </a:fillRef>
+          <a:effectRef idx="0">
+            <a:schemeClr val="accent1"/>
+          </a:effectRef>
+          <a:fontRef idx="minor">
+            <a:schemeClr val="lt1"/>
+          </a:fontRef>
+        </p:style>
+        <p:txBody>
+          <a:bodyPr rtlCol="0" anchor="ctr"/>
+          <a:lstStyle/>
+          <a:p>
+            <a:pPr algn="ctr"/>
+            <a:r>
+              <a:rPr lang="en-US" sz="900" dirty="0">
+                <a:solidFill>
+                  <a:schemeClr val="bg1"/>
+                </a:solidFill>
+              </a:rPr>
+              <a:t>Button LED</a:t>
+            </a:r>
+          </a:p>
+          <a:p>
+            <a:pPr algn="ctr"/>
+            <a:endParaRPr lang="en-US" sz="900" dirty="0">
+              <a:solidFill>
+                <a:schemeClr val="bg1"/>
+              </a:solidFill>
+            </a:endParaRPr>
+          </a:p>
+          <a:p>
+            <a:pPr algn="ctr"/>
+            <a:endParaRPr lang="en-US" sz="900" dirty="0">
+              <a:solidFill>
+                <a:schemeClr val="bg1"/>
+              </a:solidFill>
+            </a:endParaRPr>
+          </a:p>
+          <a:p>
+            <a:pPr algn="ctr"/>
+            <a:endParaRPr lang="en-US" sz="900" dirty="0">
+              <a:solidFill>
+                <a:schemeClr val="bg1"/>
+              </a:solidFill>
+            </a:endParaRPr>
+          </a:p>
+          <a:p>
+            <a:pPr algn="ctr"/>
+            <a:endParaRPr lang="en-US" sz="900" dirty="0">
+              <a:solidFill>
+                <a:schemeClr val="bg1"/>
+              </a:solidFill>
+            </a:endParaRPr>
+          </a:p>
+          <a:p>
+            <a:pPr algn="ctr"/>
+            <a:endParaRPr lang="en-US" sz="900" dirty="0">
+              <a:solidFill>
+                <a:schemeClr val="bg1"/>
+              </a:solidFill>
+            </a:endParaRPr>
+          </a:p>
+          <a:p>
+            <a:pPr algn="ctr"/>
+            <a:endParaRPr lang="en-US" sz="900" dirty="0">
+              <a:solidFill>
+                <a:schemeClr val="bg1"/>
+              </a:solidFill>
+            </a:endParaRPr>
+          </a:p>
+          <a:p>
+            <a:pPr algn="ctr"/>
+            <a:endParaRPr lang="en-US" sz="900" dirty="0">
+              <a:solidFill>
+                <a:schemeClr val="bg1"/>
+              </a:solidFill>
+            </a:endParaRPr>
+          </a:p>
+          <a:p>
+            <a:pPr algn="ctr"/>
+            <a:endParaRPr lang="de-DE" sz="900" dirty="0">
+              <a:solidFill>
+                <a:schemeClr val="bg1"/>
+              </a:solidFill>
+            </a:endParaRPr>
+          </a:p>
+        </p:txBody>
+      </p:sp>
+      <p:pic>
+        <p:nvPicPr>
+          <p:cNvPr id="155" name="Picture 154" descr="Diagram&#10;&#10;Description automatically generated">
+            <a:extLst>
+              <a:ext uri="{FF2B5EF4-FFF2-40B4-BE49-F238E27FC236}">
+                <a16:creationId xmlns:a16="http://schemas.microsoft.com/office/drawing/2014/main" id="{1B68370A-EF40-4081-8DE2-93654FD59C68}"/>
+              </a:ext>
+            </a:extLst>
+          </p:cNvPr>
+          <p:cNvPicPr>
+            <a:picLocks noChangeAspect="1"/>
+          </p:cNvPicPr>
+          <p:nvPr/>
+        </p:nvPicPr>
+        <p:blipFill>
+          <a:blip r:embed="rId4"/>
+          <a:stretch>
+            <a:fillRect/>
+          </a:stretch>
+        </p:blipFill>
+        <p:spPr>
+          <a:xfrm rot="5400000" flipV="1">
+            <a:off x="420281" y="5499498"/>
+            <a:ext cx="1076420" cy="435677"/>
+          </a:xfrm>
+          <a:prstGeom prst="rect">
+            <a:avLst/>
+          </a:prstGeom>
+        </p:spPr>
+      </p:pic>
+      <p:cxnSp>
+        <p:nvCxnSpPr>
+          <p:cNvPr id="239" name="Connector: Elbow 238">
+            <a:extLst>
+              <a:ext uri="{FF2B5EF4-FFF2-40B4-BE49-F238E27FC236}">
+                <a16:creationId xmlns:a16="http://schemas.microsoft.com/office/drawing/2014/main" id="{3E56F1C3-4368-44DF-AE39-662CA0E02D43}"/>
+              </a:ext>
+            </a:extLst>
+          </p:cNvPr>
+          <p:cNvCxnSpPr>
+            <a:cxnSpLocks/>
+          </p:cNvCxnSpPr>
+          <p:nvPr/>
+        </p:nvCxnSpPr>
+        <p:spPr>
+          <a:xfrm rot="10800000" flipV="1">
+            <a:off x="1004980" y="4407557"/>
+            <a:ext cx="2046482" cy="1774167"/>
+          </a:xfrm>
+          <a:prstGeom prst="bentConnector3">
+            <a:avLst>
+              <a:gd name="adj1" fmla="val 35727"/>
+            </a:avLst>
+          </a:prstGeom>
+          <a:ln w="15875">
+            <a:solidFill>
+              <a:schemeClr val="tx1"/>
+            </a:solidFill>
+            <a:tailEnd type="none"/>
+          </a:ln>
+        </p:spPr>
+        <p:style>
+          <a:lnRef idx="1">
+            <a:schemeClr val="accent1"/>
+          </a:lnRef>
+          <a:fillRef idx="0">
+            <a:schemeClr val="accent1"/>
+          </a:fillRef>
+          <a:effectRef idx="0">
+            <a:schemeClr val="accent1"/>
+          </a:effectRef>
+          <a:fontRef idx="minor">
+            <a:schemeClr val="tx1"/>
+          </a:fontRef>
+        </p:style>
+      </p:cxnSp>
+      <p:sp>
+        <p:nvSpPr>
+          <p:cNvPr id="246" name="TextBox 245">
+            <a:extLst>
+              <a:ext uri="{FF2B5EF4-FFF2-40B4-BE49-F238E27FC236}">
+                <a16:creationId xmlns:a16="http://schemas.microsoft.com/office/drawing/2014/main" id="{6FCAF17B-07AA-4F14-94DA-5E9601A04E9A}"/>
+              </a:ext>
+            </a:extLst>
+          </p:cNvPr>
+          <p:cNvSpPr txBox="1"/>
+          <p:nvPr/>
+        </p:nvSpPr>
+        <p:spPr>
+          <a:xfrm>
+            <a:off x="1222447" y="6018490"/>
+            <a:ext cx="401072" cy="369332"/>
+          </a:xfrm>
+          <a:prstGeom prst="rect">
+            <a:avLst/>
+          </a:prstGeom>
+          <a:noFill/>
+        </p:spPr>
+        <p:txBody>
+          <a:bodyPr wrap="none" rtlCol="0">
+            <a:spAutoFit/>
+          </a:bodyPr>
+          <a:lstStyle/>
+          <a:p>
+            <a:r>
+              <a:rPr lang="en-US" sz="900" dirty="0"/>
+              <a:t>GND</a:t>
+            </a:r>
+          </a:p>
+          <a:p>
+            <a:r>
+              <a:rPr lang="en-US" sz="900" u="sng" dirty="0"/>
+              <a:t>25</a:t>
+            </a:r>
+            <a:endParaRPr lang="de-DE" sz="900" u="sng" dirty="0"/>
+          </a:p>
+        </p:txBody>
+      </p:sp>
+      <p:cxnSp>
+        <p:nvCxnSpPr>
+          <p:cNvPr id="248" name="Connector: Elbow 247">
+            <a:extLst>
+              <a:ext uri="{FF2B5EF4-FFF2-40B4-BE49-F238E27FC236}">
+                <a16:creationId xmlns:a16="http://schemas.microsoft.com/office/drawing/2014/main" id="{84ADEDB7-3295-429E-A751-4FABD66B299F}"/>
+              </a:ext>
+            </a:extLst>
+          </p:cNvPr>
+          <p:cNvCxnSpPr>
+            <a:cxnSpLocks/>
+          </p:cNvCxnSpPr>
+          <p:nvPr/>
+        </p:nvCxnSpPr>
+        <p:spPr>
+          <a:xfrm flipV="1">
+            <a:off x="1004980" y="3411407"/>
+            <a:ext cx="2055544" cy="1844084"/>
+          </a:xfrm>
+          <a:prstGeom prst="bentConnector3">
+            <a:avLst>
+              <a:gd name="adj1" fmla="val 48146"/>
+            </a:avLst>
+          </a:prstGeom>
+          <a:ln w="15875">
+            <a:solidFill>
+              <a:srgbClr val="00B050"/>
+            </a:solidFill>
+            <a:tailEnd type="none"/>
+          </a:ln>
+        </p:spPr>
+        <p:style>
+          <a:lnRef idx="1">
+            <a:schemeClr val="accent1"/>
+          </a:lnRef>
+          <a:fillRef idx="0">
+            <a:schemeClr val="accent1"/>
+          </a:fillRef>
+          <a:effectRef idx="0">
+            <a:schemeClr val="accent1"/>
+          </a:effectRef>
+          <a:fontRef idx="minor">
+            <a:schemeClr val="tx1"/>
+          </a:fontRef>
+        </p:style>
+      </p:cxnSp>
+      <p:sp>
+        <p:nvSpPr>
+          <p:cNvPr id="253" name="TextBox 252">
+            <a:extLst>
+              <a:ext uri="{FF2B5EF4-FFF2-40B4-BE49-F238E27FC236}">
+                <a16:creationId xmlns:a16="http://schemas.microsoft.com/office/drawing/2014/main" id="{B16937B2-68FD-402F-A03B-E8262DEF667F}"/>
+              </a:ext>
+            </a:extLst>
+          </p:cNvPr>
+          <p:cNvSpPr txBox="1"/>
+          <p:nvPr/>
+        </p:nvSpPr>
+        <p:spPr>
+          <a:xfrm>
+            <a:off x="1194358" y="5068341"/>
+            <a:ext cx="421910" cy="369332"/>
+          </a:xfrm>
+          <a:prstGeom prst="rect">
+            <a:avLst/>
+          </a:prstGeom>
+          <a:noFill/>
+        </p:spPr>
+        <p:txBody>
+          <a:bodyPr wrap="none" rtlCol="0">
+            <a:spAutoFit/>
+          </a:bodyPr>
+          <a:lstStyle/>
+          <a:p>
+            <a:r>
+              <a:rPr lang="en-US" sz="900" dirty="0"/>
+              <a:t>GPIO</a:t>
+            </a:r>
+          </a:p>
+          <a:p>
+            <a:r>
+              <a:rPr lang="en-US" sz="900" u="sng" dirty="0"/>
+              <a:t>15</a:t>
+            </a:r>
+            <a:endParaRPr lang="de-DE" sz="900" u="sng" dirty="0"/>
+          </a:p>
+        </p:txBody>
+      </p:sp>
+      <p:sp>
+        <p:nvSpPr>
+          <p:cNvPr id="36" name="Rectangle 35">
+            <a:extLst>
+              <a:ext uri="{FF2B5EF4-FFF2-40B4-BE49-F238E27FC236}">
+                <a16:creationId xmlns:a16="http://schemas.microsoft.com/office/drawing/2014/main" id="{921D0EFE-9E21-4099-916F-433DE02747FA}"/>
+              </a:ext>
+            </a:extLst>
+          </p:cNvPr>
+          <p:cNvSpPr/>
+          <p:nvPr/>
+        </p:nvSpPr>
+        <p:spPr>
+          <a:xfrm>
+            <a:off x="8595129" y="300661"/>
+            <a:ext cx="1787585" cy="636349"/>
+          </a:xfrm>
+          <a:prstGeom prst="rect">
+            <a:avLst/>
+          </a:prstGeom>
+        </p:spPr>
+        <p:style>
+          <a:lnRef idx="2">
+            <a:schemeClr val="accent1">
+              <a:shade val="50000"/>
+            </a:schemeClr>
+          </a:lnRef>
+          <a:fillRef idx="1">
+            <a:schemeClr val="accent1"/>
+          </a:fillRef>
+          <a:effectRef idx="0">
+            <a:schemeClr val="accent1"/>
+          </a:effectRef>
+          <a:fontRef idx="minor">
+            <a:schemeClr val="lt1"/>
+          </a:fontRef>
+        </p:style>
+        <p:txBody>
+          <a:bodyPr rtlCol="0" anchor="ctr"/>
+          <a:lstStyle/>
+          <a:p>
+            <a:pPr algn="ctr"/>
+            <a:r>
+              <a:rPr lang="en-US" sz="900" dirty="0"/>
+              <a:t>Micro USB in +5V</a:t>
+            </a:r>
+            <a:endParaRPr lang="de-DE" sz="900" dirty="0"/>
+          </a:p>
+        </p:txBody>
+      </p:sp>
+      <p:sp>
+        <p:nvSpPr>
+          <p:cNvPr id="264" name="TextBox 263">
+            <a:extLst>
+              <a:ext uri="{FF2B5EF4-FFF2-40B4-BE49-F238E27FC236}">
+                <a16:creationId xmlns:a16="http://schemas.microsoft.com/office/drawing/2014/main" id="{C3AA381B-C2AA-4851-BB40-62CBB24362E9}"/>
+              </a:ext>
+            </a:extLst>
+          </p:cNvPr>
+          <p:cNvSpPr txBox="1"/>
+          <p:nvPr/>
+        </p:nvSpPr>
+        <p:spPr>
+          <a:xfrm>
+            <a:off x="5629128" y="2016725"/>
+            <a:ext cx="308098" cy="369332"/>
+          </a:xfrm>
+          <a:prstGeom prst="rect">
+            <a:avLst/>
+          </a:prstGeom>
+          <a:noFill/>
+        </p:spPr>
+        <p:txBody>
+          <a:bodyPr wrap="none" rtlCol="0">
+            <a:spAutoFit/>
+          </a:bodyPr>
+          <a:lstStyle/>
+          <a:p>
+            <a:r>
+              <a:rPr lang="en-US" sz="900" dirty="0">
+                <a:solidFill>
+                  <a:srgbClr val="FF0000"/>
+                </a:solidFill>
+              </a:rPr>
+              <a:t>5V</a:t>
+            </a:r>
+          </a:p>
+          <a:p>
+            <a:r>
+              <a:rPr lang="en-US" sz="900" u="sng" dirty="0">
+                <a:solidFill>
+                  <a:srgbClr val="FF0000"/>
+                </a:solidFill>
+              </a:rPr>
+              <a:t>2+</a:t>
+            </a:r>
+            <a:endParaRPr lang="de-DE" sz="900" u="sng" dirty="0">
+              <a:solidFill>
+                <a:srgbClr val="FF0000"/>
+              </a:solidFill>
+            </a:endParaRPr>
+          </a:p>
+        </p:txBody>
+      </p:sp>
+      <p:cxnSp>
+        <p:nvCxnSpPr>
+          <p:cNvPr id="280" name="Connector: Elbow 279">
+            <a:extLst>
+              <a:ext uri="{FF2B5EF4-FFF2-40B4-BE49-F238E27FC236}">
+                <a16:creationId xmlns:a16="http://schemas.microsoft.com/office/drawing/2014/main" id="{E1C4662D-AA33-4F0F-81BA-912577603043}"/>
+              </a:ext>
+            </a:extLst>
+          </p:cNvPr>
+          <p:cNvCxnSpPr>
+            <a:cxnSpLocks/>
+            <a:stCxn id="17" idx="0"/>
+          </p:cNvCxnSpPr>
+          <p:nvPr/>
+        </p:nvCxnSpPr>
+        <p:spPr>
+          <a:xfrm rot="16200000" flipV="1">
+            <a:off x="6635551" y="2588492"/>
+            <a:ext cx="1558684" cy="405276"/>
+          </a:xfrm>
+          <a:prstGeom prst="bentConnector3">
+            <a:avLst>
+              <a:gd name="adj1" fmla="val 50000"/>
+            </a:avLst>
+          </a:prstGeom>
+          <a:ln w="15875">
+            <a:solidFill>
+              <a:srgbClr val="FF0000"/>
+            </a:solidFill>
+            <a:tailEnd type="none"/>
+          </a:ln>
+        </p:spPr>
+        <p:style>
+          <a:lnRef idx="1">
+            <a:schemeClr val="dk1"/>
+          </a:lnRef>
+          <a:fillRef idx="0">
+            <a:schemeClr val="dk1"/>
+          </a:fillRef>
+          <a:effectRef idx="0">
+            <a:schemeClr val="dk1"/>
+          </a:effectRef>
+          <a:fontRef idx="minor">
+            <a:schemeClr val="tx1"/>
+          </a:fontRef>
+        </p:style>
+      </p:cxnSp>
+      <p:cxnSp>
+        <p:nvCxnSpPr>
+          <p:cNvPr id="283" name="Connector: Elbow 282">
+            <a:extLst>
+              <a:ext uri="{FF2B5EF4-FFF2-40B4-BE49-F238E27FC236}">
+                <a16:creationId xmlns:a16="http://schemas.microsoft.com/office/drawing/2014/main" id="{4E3AD751-85CF-4141-A168-3138638F3A56}"/>
+              </a:ext>
+            </a:extLst>
+          </p:cNvPr>
+          <p:cNvCxnSpPr>
+            <a:cxnSpLocks/>
+          </p:cNvCxnSpPr>
+          <p:nvPr/>
+        </p:nvCxnSpPr>
+        <p:spPr>
+          <a:xfrm rot="5400000" flipH="1" flipV="1">
+            <a:off x="7653152" y="3386672"/>
+            <a:ext cx="363715" cy="3"/>
+          </a:xfrm>
+          <a:prstGeom prst="bentConnector3">
+            <a:avLst/>
+          </a:prstGeom>
+          <a:ln w="15875">
+            <a:solidFill>
+              <a:schemeClr val="tx1"/>
+            </a:solidFill>
+            <a:tailEnd type="none"/>
+          </a:ln>
+        </p:spPr>
+        <p:style>
+          <a:lnRef idx="1">
+            <a:schemeClr val="accent1"/>
+          </a:lnRef>
+          <a:fillRef idx="0">
+            <a:schemeClr val="accent1"/>
+          </a:fillRef>
+          <a:effectRef idx="0">
+            <a:schemeClr val="accent1"/>
+          </a:effectRef>
+          <a:fontRef idx="minor">
+            <a:schemeClr val="tx1"/>
+          </a:fontRef>
+        </p:style>
+      </p:cxnSp>
+      <p:sp>
+        <p:nvSpPr>
+          <p:cNvPr id="4" name="Rectangle 3">
+            <a:extLst>
+              <a:ext uri="{FF2B5EF4-FFF2-40B4-BE49-F238E27FC236}">
+                <a16:creationId xmlns:a16="http://schemas.microsoft.com/office/drawing/2014/main" id="{0B96A40F-71A1-4027-AD47-356D4E8511E2}"/>
+              </a:ext>
+            </a:extLst>
+          </p:cNvPr>
+          <p:cNvSpPr/>
+          <p:nvPr/>
+        </p:nvSpPr>
+        <p:spPr>
+          <a:xfrm>
+            <a:off x="8663709" y="4948827"/>
+            <a:ext cx="1787585" cy="863440"/>
+          </a:xfrm>
+          <a:prstGeom prst="rect">
+            <a:avLst/>
+          </a:prstGeom>
+        </p:spPr>
+        <p:style>
+          <a:lnRef idx="2">
+            <a:schemeClr val="accent1">
+              <a:shade val="50000"/>
+            </a:schemeClr>
+          </a:lnRef>
+          <a:fillRef idx="1">
+            <a:schemeClr val="accent1"/>
+          </a:fillRef>
+          <a:effectRef idx="0">
+            <a:schemeClr val="accent1"/>
+          </a:effectRef>
+          <a:fontRef idx="minor">
+            <a:schemeClr val="lt1"/>
+          </a:fontRef>
+        </p:style>
+        <p:txBody>
+          <a:bodyPr rtlCol="0" anchor="ctr"/>
+          <a:lstStyle/>
+          <a:p>
+            <a:pPr algn="ctr"/>
+            <a:r>
+              <a:rPr lang="en-US" sz="900" dirty="0"/>
+              <a:t>LED connector</a:t>
+            </a:r>
+            <a:endParaRPr lang="de-DE" sz="900" dirty="0"/>
+          </a:p>
+        </p:txBody>
+      </p:sp>
+    </p:spTree>
+    <p:extLst>
+      <p:ext uri="{BB962C8B-B14F-4D97-AF65-F5344CB8AC3E}">
+        <p14:creationId xmlns:p14="http://schemas.microsoft.com/office/powerpoint/2010/main" val="28406217"/>
+      </p:ext>
+    </p:extLst>
+  </p:cSld>
+  <p:clrMapOvr>
+    <a:masterClrMapping/>
+  </p:clrMapOvr>
+</p:sld>
+</file>
+
 <file path=ppt/theme/theme1.xml><?xml version="1.0" encoding="utf-8"?>
 <a:theme xmlns:a="http://schemas.openxmlformats.org/drawingml/2006/main" name="Office Theme">
   <a:themeElements>
